--- a/figure/figure.pptx
+++ b/figure/figure.pptx
@@ -2008,7 +2008,7 @@
         </p:nvSpPr>
         <p:spPr>
           <a:xfrm>
-            <a:off x="4299487" y="1260361"/>
+            <a:off x="2540577" y="683765"/>
             <a:ext cx="469310" cy="468000"/>
           </a:xfrm>
           <a:prstGeom prst="ellipse">
@@ -2052,7 +2052,7 @@
         </p:nvSpPr>
         <p:spPr>
           <a:xfrm>
-            <a:off x="2940021" y="3062471"/>
+            <a:off x="1181111" y="2485875"/>
             <a:ext cx="469310" cy="468000"/>
           </a:xfrm>
           <a:prstGeom prst="ellipse">
@@ -2096,7 +2096,7 @@
         </p:nvSpPr>
         <p:spPr>
           <a:xfrm>
-            <a:off x="5836242" y="2980932"/>
+            <a:off x="4077772" y="2446656"/>
             <a:ext cx="468000" cy="468000"/>
           </a:xfrm>
           <a:prstGeom prst="ellipse">
@@ -2140,7 +2140,7 @@
         </p:nvCxnSpPr>
         <p:spPr>
           <a:xfrm flipV="1">
-            <a:off x="3437345" y="1836507"/>
+            <a:off x="1678435" y="1259911"/>
             <a:ext cx="942456" cy="1112300"/>
           </a:xfrm>
           <a:prstGeom prst="straightConnector1">
@@ -2184,7 +2184,7 @@
         </p:nvCxnSpPr>
         <p:spPr>
           <a:xfrm flipV="1">
-            <a:off x="3233540" y="1728361"/>
+            <a:off x="1474630" y="1151765"/>
             <a:ext cx="948238" cy="1144425"/>
           </a:xfrm>
           <a:prstGeom prst="straightConnector1">
@@ -2229,7 +2229,7 @@
         </p:nvCxnSpPr>
         <p:spPr>
           <a:xfrm>
-            <a:off x="3707659" y="3413986"/>
+            <a:off x="1948749" y="2837390"/>
             <a:ext cx="1800000" cy="0"/>
           </a:xfrm>
           <a:prstGeom prst="straightConnector1">
@@ -2274,7 +2274,7 @@
         </p:nvCxnSpPr>
         <p:spPr>
           <a:xfrm>
-            <a:off x="3707659" y="3156269"/>
+            <a:off x="1948749" y="2579673"/>
             <a:ext cx="1800000" cy="0"/>
           </a:xfrm>
           <a:prstGeom prst="straightConnector1">
@@ -2319,7 +2319,7 @@
         </p:nvCxnSpPr>
         <p:spPr>
           <a:xfrm flipH="1" flipV="1">
-            <a:off x="4886507" y="1708780"/>
+            <a:off x="3127597" y="1132184"/>
             <a:ext cx="1135720" cy="1164006"/>
           </a:xfrm>
           <a:prstGeom prst="straightConnector1">
@@ -2364,7 +2364,7 @@
         </p:nvCxnSpPr>
         <p:spPr>
           <a:xfrm flipH="1" flipV="1">
-            <a:off x="4669077" y="1836507"/>
+            <a:off x="2910167" y="1259911"/>
             <a:ext cx="1126006" cy="1168026"/>
           </a:xfrm>
           <a:prstGeom prst="straightConnector1">
@@ -2407,7 +2407,7 @@
         </p:nvSpPr>
         <p:spPr>
           <a:xfrm rot="5400000">
-            <a:off x="6465333" y="3047174"/>
+            <a:off x="4706863" y="2512898"/>
             <a:ext cx="334983" cy="335516"/>
           </a:xfrm>
           <a:prstGeom prst="uturnArrow">
@@ -2471,7 +2471,7 @@
         </p:nvSpPr>
         <p:spPr>
           <a:xfrm>
-            <a:off x="4379801" y="816699"/>
+            <a:off x="2620891" y="240103"/>
             <a:ext cx="334983" cy="335516"/>
           </a:xfrm>
           <a:prstGeom prst="uturnArrow">
@@ -2535,7 +2535,7 @@
         </p:nvSpPr>
         <p:spPr>
           <a:xfrm rot="16200000">
-            <a:off x="2390275" y="3156002"/>
+            <a:off x="631365" y="2579406"/>
             <a:ext cx="334983" cy="335516"/>
           </a:xfrm>
           <a:prstGeom prst="uturnArrow">
@@ -2601,7 +2601,7 @@
             </p:nvSpPr>
             <p:spPr>
               <a:xfrm>
-                <a:off x="2276214" y="3413986"/>
+                <a:off x="517304" y="2837390"/>
                 <a:ext cx="563103" cy="369332"/>
               </a:xfrm>
               <a:prstGeom prst="rect">
@@ -2671,7 +2671,7 @@
             </p:nvSpPr>
             <p:spPr>
               <a:xfrm>
-                <a:off x="2276214" y="3413986"/>
+                <a:off x="517304" y="2837390"/>
                 <a:ext cx="563103" cy="369332"/>
               </a:xfrm>
               <a:prstGeom prst="rect">
@@ -2680,7 +2680,7 @@
               <a:blipFill>
                 <a:blip r:embed="rId2"/>
                 <a:stretch>
-                  <a:fillRect b="-3226"/>
+                  <a:fillRect b="-3333"/>
                 </a:stretch>
               </a:blipFill>
             </p:spPr>
@@ -2715,7 +2715,7 @@
             </p:nvSpPr>
             <p:spPr>
               <a:xfrm>
-                <a:off x="3848749" y="799791"/>
+                <a:off x="2089839" y="223195"/>
                 <a:ext cx="568425" cy="369332"/>
               </a:xfrm>
               <a:prstGeom prst="rect">
@@ -2785,7 +2785,7 @@
             </p:nvSpPr>
             <p:spPr>
               <a:xfrm>
-                <a:off x="3848749" y="799791"/>
+                <a:off x="2089839" y="223195"/>
                 <a:ext cx="568425" cy="369332"/>
               </a:xfrm>
               <a:prstGeom prst="rect">
@@ -2794,7 +2794,7 @@
               <a:blipFill>
                 <a:blip r:embed="rId3"/>
                 <a:stretch>
-                  <a:fillRect b="-3226"/>
+                  <a:fillRect b="-3333"/>
                 </a:stretch>
               </a:blipFill>
             </p:spPr>
@@ -2829,7 +2829,7 @@
             </p:nvSpPr>
             <p:spPr>
               <a:xfrm>
-                <a:off x="6345401" y="2635201"/>
+                <a:off x="4586491" y="2058605"/>
                 <a:ext cx="568425" cy="369332"/>
               </a:xfrm>
               <a:prstGeom prst="rect">
@@ -2899,7 +2899,7 @@
             </p:nvSpPr>
             <p:spPr>
               <a:xfrm>
-                <a:off x="6345401" y="2635201"/>
+                <a:off x="4586491" y="2058605"/>
                 <a:ext cx="568425" cy="369332"/>
               </a:xfrm>
               <a:prstGeom prst="rect">
@@ -2943,7 +2943,7 @@
             </p:nvSpPr>
             <p:spPr>
               <a:xfrm>
-                <a:off x="4287787" y="3358877"/>
+                <a:off x="2528877" y="2782281"/>
                 <a:ext cx="568425" cy="369332"/>
               </a:xfrm>
               <a:prstGeom prst="rect">
@@ -3013,7 +3013,7 @@
             </p:nvSpPr>
             <p:spPr>
               <a:xfrm>
-                <a:off x="4287787" y="3358877"/>
+                <a:off x="2528877" y="2782281"/>
                 <a:ext cx="568425" cy="369332"/>
               </a:xfrm>
               <a:prstGeom prst="rect">
@@ -3022,7 +3022,7 @@
               <a:blipFill>
                 <a:blip r:embed="rId5"/>
                 <a:stretch>
-                  <a:fillRect b="-3333"/>
+                  <a:fillRect b="-3226"/>
                 </a:stretch>
               </a:blipFill>
             </p:spPr>
@@ -3057,7 +3057,7 @@
             </p:nvSpPr>
             <p:spPr>
               <a:xfrm>
-                <a:off x="4299487" y="2771157"/>
+                <a:off x="2540577" y="2194561"/>
                 <a:ext cx="563103" cy="369332"/>
               </a:xfrm>
               <a:prstGeom prst="rect">
@@ -3127,7 +3127,7 @@
             </p:nvSpPr>
             <p:spPr>
               <a:xfrm>
-                <a:off x="4299487" y="2771157"/>
+                <a:off x="2540577" y="2194561"/>
                 <a:ext cx="563103" cy="369332"/>
               </a:xfrm>
               <a:prstGeom prst="rect">
@@ -3136,7 +3136,7 @@
               <a:blipFill>
                 <a:blip r:embed="rId6"/>
                 <a:stretch>
-                  <a:fillRect b="-3333"/>
+                  <a:fillRect b="-3226"/>
                 </a:stretch>
               </a:blipFill>
             </p:spPr>
@@ -3171,7 +3171,7 @@
             </p:nvSpPr>
             <p:spPr>
               <a:xfrm>
-                <a:off x="3893834" y="2232940"/>
+                <a:off x="2134924" y="1656344"/>
                 <a:ext cx="563103" cy="369332"/>
               </a:xfrm>
               <a:prstGeom prst="rect">
@@ -3241,7 +3241,7 @@
             </p:nvSpPr>
             <p:spPr>
               <a:xfrm>
-                <a:off x="3893834" y="2232940"/>
+                <a:off x="2134924" y="1656344"/>
                 <a:ext cx="563103" cy="369332"/>
               </a:xfrm>
               <a:prstGeom prst="rect">
@@ -3250,7 +3250,7 @@
               <a:blipFill>
                 <a:blip r:embed="rId7"/>
                 <a:stretch>
-                  <a:fillRect b="-6667"/>
+                  <a:fillRect b="-3333"/>
                 </a:stretch>
               </a:blipFill>
             </p:spPr>
@@ -3285,7 +3285,7 @@
             </p:nvSpPr>
             <p:spPr>
               <a:xfrm>
-                <a:off x="3330731" y="1784189"/>
+                <a:off x="1571821" y="1207593"/>
                 <a:ext cx="568425" cy="369332"/>
               </a:xfrm>
               <a:prstGeom prst="rect">
@@ -3355,7 +3355,7 @@
             </p:nvSpPr>
             <p:spPr>
               <a:xfrm>
-                <a:off x="3330731" y="1784189"/>
+                <a:off x="1571821" y="1207593"/>
                 <a:ext cx="568425" cy="369332"/>
               </a:xfrm>
               <a:prstGeom prst="rect">
@@ -3399,7 +3399,7 @@
             </p:nvSpPr>
             <p:spPr>
               <a:xfrm>
-                <a:off x="4714784" y="2207991"/>
+                <a:off x="2955874" y="1631395"/>
                 <a:ext cx="568425" cy="369332"/>
               </a:xfrm>
               <a:prstGeom prst="rect">
@@ -3469,7 +3469,7 @@
             </p:nvSpPr>
             <p:spPr>
               <a:xfrm>
-                <a:off x="4714784" y="2207991"/>
+                <a:off x="2955874" y="1631395"/>
                 <a:ext cx="568425" cy="369332"/>
               </a:xfrm>
               <a:prstGeom prst="rect">
@@ -3478,7 +3478,7 @@
               <a:blipFill>
                 <a:blip r:embed="rId9"/>
                 <a:stretch>
-                  <a:fillRect b="-3226"/>
+                  <a:fillRect b="-3333"/>
                 </a:stretch>
               </a:blipFill>
             </p:spPr>
@@ -3513,7 +3513,7 @@
             </p:nvSpPr>
             <p:spPr>
               <a:xfrm>
-                <a:off x="5320856" y="1851121"/>
+                <a:off x="3561946" y="1274525"/>
                 <a:ext cx="568425" cy="369332"/>
               </a:xfrm>
               <a:prstGeom prst="rect">
@@ -3583,7 +3583,7 @@
             </p:nvSpPr>
             <p:spPr>
               <a:xfrm>
-                <a:off x="5320856" y="1851121"/>
+                <a:off x="3561946" y="1274525"/>
                 <a:ext cx="568425" cy="369332"/>
               </a:xfrm>
               <a:prstGeom prst="rect">
@@ -3592,7 +3592,7 @@
               <a:blipFill>
                 <a:blip r:embed="rId10"/>
                 <a:stretch>
-                  <a:fillRect b="-6667"/>
+                  <a:fillRect b="-3333"/>
                 </a:stretch>
               </a:blipFill>
             </p:spPr>
@@ -3611,6 +3611,456 @@
           </p:sp>
         </mc:Fallback>
       </mc:AlternateContent>
+      <p:sp>
+        <p:nvSpPr>
+          <p:cNvPr id="45" name="テキスト ボックス 44">
+            <a:extLst>
+              <a:ext uri="{FF2B5EF4-FFF2-40B4-BE49-F238E27FC236}">
+                <a16:creationId xmlns:a16="http://schemas.microsoft.com/office/drawing/2014/main" id="{D25FDFCD-A00C-D4DF-2EDB-CF72AE2E2B6D}"/>
+              </a:ext>
+            </a:extLst>
+          </p:cNvPr>
+          <p:cNvSpPr txBox="1">
+            <a:spLocks noChangeAspect="1"/>
+          </p:cNvSpPr>
+          <p:nvPr/>
+        </p:nvSpPr>
+        <p:spPr>
+          <a:xfrm>
+            <a:off x="6186381" y="5245032"/>
+            <a:ext cx="469310" cy="468000"/>
+          </a:xfrm>
+          <a:prstGeom prst="ellipse">
+            <a:avLst/>
+          </a:prstGeom>
+          <a:noFill/>
+          <a:ln w="38100">
+            <a:solidFill>
+              <a:schemeClr val="tx1"/>
+            </a:solidFill>
+          </a:ln>
+        </p:spPr>
+        <p:txBody>
+          <a:bodyPr wrap="none" rtlCol="0" anchor="ctr">
+            <a:spAutoFit/>
+          </a:bodyPr>
+          <a:lstStyle/>
+          <a:p>
+            <a:pPr algn="ctr"/>
+            <a:r>
+              <a:rPr kumimoji="1" lang="en-US" altLang="ja-JP"/>
+              <a:t>1</a:t>
+            </a:r>
+            <a:endParaRPr kumimoji="1" lang="ja-JP" altLang="en-US"/>
+          </a:p>
+        </p:txBody>
+      </p:sp>
+      <p:cxnSp>
+        <p:nvCxnSpPr>
+          <p:cNvPr id="47" name="直線矢印コネクタ 46">
+            <a:extLst>
+              <a:ext uri="{FF2B5EF4-FFF2-40B4-BE49-F238E27FC236}">
+                <a16:creationId xmlns:a16="http://schemas.microsoft.com/office/drawing/2014/main" id="{9A94B5FF-8234-66FF-B0A0-4D45693BF17D}"/>
+              </a:ext>
+            </a:extLst>
+          </p:cNvPr>
+          <p:cNvCxnSpPr>
+            <a:cxnSpLocks/>
+          </p:cNvCxnSpPr>
+          <p:nvPr/>
+        </p:nvCxnSpPr>
+        <p:spPr>
+          <a:xfrm>
+            <a:off x="4142113" y="5583475"/>
+            <a:ext cx="1800000" cy="0"/>
+          </a:xfrm>
+          <a:prstGeom prst="straightConnector1">
+            <a:avLst/>
+          </a:prstGeom>
+          <a:ln w="38100">
+            <a:solidFill>
+              <a:schemeClr val="tx1"/>
+            </a:solidFill>
+            <a:headEnd type="triangle"/>
+            <a:tailEnd type="none"/>
+          </a:ln>
+        </p:spPr>
+        <p:style>
+          <a:lnRef idx="1">
+            <a:schemeClr val="accent1"/>
+          </a:lnRef>
+          <a:fillRef idx="0">
+            <a:schemeClr val="accent1"/>
+          </a:fillRef>
+          <a:effectRef idx="0">
+            <a:schemeClr val="accent1"/>
+          </a:effectRef>
+          <a:fontRef idx="minor">
+            <a:schemeClr val="tx1"/>
+          </a:fontRef>
+        </p:style>
+      </p:cxnSp>
+      <p:cxnSp>
+        <p:nvCxnSpPr>
+          <p:cNvPr id="48" name="直線矢印コネクタ 47">
+            <a:extLst>
+              <a:ext uri="{FF2B5EF4-FFF2-40B4-BE49-F238E27FC236}">
+                <a16:creationId xmlns:a16="http://schemas.microsoft.com/office/drawing/2014/main" id="{7D96DD95-5F7C-6B5B-7C73-770C9EE463F0}"/>
+              </a:ext>
+            </a:extLst>
+          </p:cNvPr>
+          <p:cNvCxnSpPr>
+            <a:cxnSpLocks/>
+          </p:cNvCxnSpPr>
+          <p:nvPr/>
+        </p:nvCxnSpPr>
+        <p:spPr>
+          <a:xfrm>
+            <a:off x="4142113" y="5325758"/>
+            <a:ext cx="1800000" cy="0"/>
+          </a:xfrm>
+          <a:prstGeom prst="straightConnector1">
+            <a:avLst/>
+          </a:prstGeom>
+          <a:ln w="38100">
+            <a:solidFill>
+              <a:schemeClr val="tx1"/>
+            </a:solidFill>
+            <a:headEnd type="none"/>
+            <a:tailEnd type="triangle"/>
+          </a:ln>
+        </p:spPr>
+        <p:style>
+          <a:lnRef idx="1">
+            <a:schemeClr val="accent1"/>
+          </a:lnRef>
+          <a:fillRef idx="0">
+            <a:schemeClr val="accent1"/>
+          </a:fillRef>
+          <a:effectRef idx="0">
+            <a:schemeClr val="accent1"/>
+          </a:effectRef>
+          <a:fontRef idx="minor">
+            <a:schemeClr val="tx1"/>
+          </a:fontRef>
+        </p:style>
+      </p:cxnSp>
+      <p:sp>
+        <p:nvSpPr>
+          <p:cNvPr id="49" name="U ターン矢印 48">
+            <a:extLst>
+              <a:ext uri="{FF2B5EF4-FFF2-40B4-BE49-F238E27FC236}">
+                <a16:creationId xmlns:a16="http://schemas.microsoft.com/office/drawing/2014/main" id="{E206E8B9-E496-517F-4197-B66956C3FB4B}"/>
+              </a:ext>
+            </a:extLst>
+          </p:cNvPr>
+          <p:cNvSpPr/>
+          <p:nvPr/>
+        </p:nvSpPr>
+        <p:spPr>
+          <a:xfrm rot="5400000">
+            <a:off x="6900225" y="5311274"/>
+            <a:ext cx="334983" cy="335516"/>
+          </a:xfrm>
+          <a:prstGeom prst="uturnArrow">
+            <a:avLst>
+              <a:gd name="adj1" fmla="val 7641"/>
+              <a:gd name="adj2" fmla="val 15453"/>
+              <a:gd name="adj3" fmla="val 31943"/>
+              <a:gd name="adj4" fmla="val 43750"/>
+              <a:gd name="adj5" fmla="val 100000"/>
+            </a:avLst>
+          </a:prstGeom>
+          <a:solidFill>
+            <a:schemeClr val="tx1"/>
+          </a:solidFill>
+          <a:ln w="19050">
+            <a:solidFill>
+              <a:schemeClr val="tx1"/>
+            </a:solidFill>
+          </a:ln>
+        </p:spPr>
+        <p:style>
+          <a:lnRef idx="2">
+            <a:schemeClr val="accent1">
+              <a:shade val="50000"/>
+            </a:schemeClr>
+          </a:lnRef>
+          <a:fillRef idx="1">
+            <a:schemeClr val="accent1"/>
+          </a:fillRef>
+          <a:effectRef idx="0">
+            <a:schemeClr val="accent1"/>
+          </a:effectRef>
+          <a:fontRef idx="minor">
+            <a:schemeClr val="lt1"/>
+          </a:fontRef>
+        </p:style>
+        <p:txBody>
+          <a:bodyPr rtlCol="0" anchor="ctr"/>
+          <a:lstStyle/>
+          <a:p>
+            <a:pPr algn="ctr"/>
+            <a:endParaRPr kumimoji="1" lang="ja-JP" altLang="en-US" dirty="0">
+              <a:solidFill>
+                <a:schemeClr val="tx1"/>
+              </a:solidFill>
+            </a:endParaRPr>
+          </a:p>
+        </p:txBody>
+      </p:sp>
+      <p:sp>
+        <p:nvSpPr>
+          <p:cNvPr id="50" name="U ターン矢印 49">
+            <a:extLst>
+              <a:ext uri="{FF2B5EF4-FFF2-40B4-BE49-F238E27FC236}">
+                <a16:creationId xmlns:a16="http://schemas.microsoft.com/office/drawing/2014/main" id="{EBCF9799-B6B6-F541-4749-6255296395F1}"/>
+              </a:ext>
+            </a:extLst>
+          </p:cNvPr>
+          <p:cNvSpPr/>
+          <p:nvPr/>
+        </p:nvSpPr>
+        <p:spPr>
+          <a:xfrm rot="16200000">
+            <a:off x="2877145" y="5325491"/>
+            <a:ext cx="334983" cy="335516"/>
+          </a:xfrm>
+          <a:prstGeom prst="uturnArrow">
+            <a:avLst>
+              <a:gd name="adj1" fmla="val 7641"/>
+              <a:gd name="adj2" fmla="val 15453"/>
+              <a:gd name="adj3" fmla="val 31943"/>
+              <a:gd name="adj4" fmla="val 43750"/>
+              <a:gd name="adj5" fmla="val 100000"/>
+            </a:avLst>
+          </a:prstGeom>
+          <a:solidFill>
+            <a:schemeClr val="tx1"/>
+          </a:solidFill>
+          <a:ln w="19050">
+            <a:solidFill>
+              <a:schemeClr val="tx1"/>
+            </a:solidFill>
+          </a:ln>
+        </p:spPr>
+        <p:style>
+          <a:lnRef idx="2">
+            <a:schemeClr val="accent1">
+              <a:shade val="50000"/>
+            </a:schemeClr>
+          </a:lnRef>
+          <a:fillRef idx="1">
+            <a:schemeClr val="accent1"/>
+          </a:fillRef>
+          <a:effectRef idx="0">
+            <a:schemeClr val="accent1"/>
+          </a:effectRef>
+          <a:fontRef idx="minor">
+            <a:schemeClr val="lt1"/>
+          </a:fontRef>
+        </p:style>
+        <p:txBody>
+          <a:bodyPr rtlCol="0" anchor="ctr"/>
+          <a:lstStyle/>
+          <a:p>
+            <a:pPr algn="ctr"/>
+            <a:endParaRPr kumimoji="1" lang="ja-JP" altLang="en-US" dirty="0">
+              <a:solidFill>
+                <a:schemeClr val="tx1"/>
+              </a:solidFill>
+            </a:endParaRPr>
+          </a:p>
+        </p:txBody>
+      </p:sp>
+      <p:sp>
+        <p:nvSpPr>
+          <p:cNvPr id="52" name="テキスト ボックス 51">
+            <a:extLst>
+              <a:ext uri="{FF2B5EF4-FFF2-40B4-BE49-F238E27FC236}">
+                <a16:creationId xmlns:a16="http://schemas.microsoft.com/office/drawing/2014/main" id="{133667F8-C7B6-5959-ABCE-5823502A862E}"/>
+              </a:ext>
+            </a:extLst>
+          </p:cNvPr>
+          <p:cNvSpPr txBox="1"/>
+          <p:nvPr/>
+        </p:nvSpPr>
+        <p:spPr>
+          <a:xfrm>
+            <a:off x="4738912" y="5618891"/>
+            <a:ext cx="551754" cy="369332"/>
+          </a:xfrm>
+          <a:prstGeom prst="rect">
+            <a:avLst/>
+          </a:prstGeom>
+          <a:noFill/>
+        </p:spPr>
+        <p:txBody>
+          <a:bodyPr wrap="none" rtlCol="0">
+            <a:spAutoFit/>
+          </a:bodyPr>
+          <a:lstStyle/>
+          <a:p>
+            <a:r>
+              <a:rPr kumimoji="1" lang="en-US" altLang="ja-JP"/>
+              <a:t>0.3</a:t>
+            </a:r>
+            <a:endParaRPr kumimoji="1" lang="ja-JP" altLang="en-US"/>
+          </a:p>
+        </p:txBody>
+      </p:sp>
+      <p:sp>
+        <p:nvSpPr>
+          <p:cNvPr id="53" name="テキスト ボックス 52">
+            <a:extLst>
+              <a:ext uri="{FF2B5EF4-FFF2-40B4-BE49-F238E27FC236}">
+                <a16:creationId xmlns:a16="http://schemas.microsoft.com/office/drawing/2014/main" id="{3DC07AED-84DD-45B9-AFC1-823B85B2D5BC}"/>
+              </a:ext>
+            </a:extLst>
+          </p:cNvPr>
+          <p:cNvSpPr txBox="1"/>
+          <p:nvPr/>
+        </p:nvSpPr>
+        <p:spPr>
+          <a:xfrm>
+            <a:off x="4738912" y="4928872"/>
+            <a:ext cx="551754" cy="369332"/>
+          </a:xfrm>
+          <a:prstGeom prst="rect">
+            <a:avLst/>
+          </a:prstGeom>
+          <a:noFill/>
+        </p:spPr>
+        <p:txBody>
+          <a:bodyPr wrap="none" rtlCol="0">
+            <a:spAutoFit/>
+          </a:bodyPr>
+          <a:lstStyle/>
+          <a:p>
+            <a:r>
+              <a:rPr kumimoji="1" lang="en-US" altLang="ja-JP"/>
+              <a:t>0.2</a:t>
+            </a:r>
+            <a:endParaRPr kumimoji="1" lang="ja-JP" altLang="en-US"/>
+          </a:p>
+        </p:txBody>
+      </p:sp>
+      <p:sp>
+        <p:nvSpPr>
+          <p:cNvPr id="54" name="テキスト ボックス 53">
+            <a:extLst>
+              <a:ext uri="{FF2B5EF4-FFF2-40B4-BE49-F238E27FC236}">
+                <a16:creationId xmlns:a16="http://schemas.microsoft.com/office/drawing/2014/main" id="{859713C8-7A3B-A875-898C-2E0B6A74703B}"/>
+              </a:ext>
+            </a:extLst>
+          </p:cNvPr>
+          <p:cNvSpPr txBox="1">
+            <a:spLocks noChangeAspect="1"/>
+          </p:cNvSpPr>
+          <p:nvPr/>
+        </p:nvSpPr>
+        <p:spPr>
+          <a:xfrm>
+            <a:off x="3456663" y="5259249"/>
+            <a:ext cx="469310" cy="468000"/>
+          </a:xfrm>
+          <a:prstGeom prst="ellipse">
+            <a:avLst/>
+          </a:prstGeom>
+          <a:noFill/>
+          <a:ln w="38100">
+            <a:solidFill>
+              <a:schemeClr val="tx1"/>
+            </a:solidFill>
+          </a:ln>
+        </p:spPr>
+        <p:txBody>
+          <a:bodyPr wrap="none" rtlCol="0" anchor="ctr">
+            <a:spAutoFit/>
+          </a:bodyPr>
+          <a:lstStyle/>
+          <a:p>
+            <a:pPr algn="ctr"/>
+            <a:r>
+              <a:rPr kumimoji="1" lang="en-US" altLang="ja-JP"/>
+              <a:t>0</a:t>
+            </a:r>
+            <a:endParaRPr kumimoji="1" lang="ja-JP" altLang="en-US"/>
+          </a:p>
+        </p:txBody>
+      </p:sp>
+      <p:sp>
+        <p:nvSpPr>
+          <p:cNvPr id="55" name="テキスト ボックス 54">
+            <a:extLst>
+              <a:ext uri="{FF2B5EF4-FFF2-40B4-BE49-F238E27FC236}">
+                <a16:creationId xmlns:a16="http://schemas.microsoft.com/office/drawing/2014/main" id="{77B2FEF2-85B5-78EE-9743-842FE52DCE51}"/>
+              </a:ext>
+            </a:extLst>
+          </p:cNvPr>
+          <p:cNvSpPr txBox="1"/>
+          <p:nvPr/>
+        </p:nvSpPr>
+        <p:spPr>
+          <a:xfrm>
+            <a:off x="7235475" y="5277192"/>
+            <a:ext cx="551754" cy="369332"/>
+          </a:xfrm>
+          <a:prstGeom prst="rect">
+            <a:avLst/>
+          </a:prstGeom>
+          <a:noFill/>
+        </p:spPr>
+        <p:txBody>
+          <a:bodyPr wrap="none" rtlCol="0">
+            <a:spAutoFit/>
+          </a:bodyPr>
+          <a:lstStyle/>
+          <a:p>
+            <a:r>
+              <a:rPr kumimoji="1" lang="en-US" altLang="ja-JP"/>
+              <a:t>0.7</a:t>
+            </a:r>
+            <a:endParaRPr kumimoji="1" lang="ja-JP" altLang="en-US"/>
+          </a:p>
+        </p:txBody>
+      </p:sp>
+      <p:sp>
+        <p:nvSpPr>
+          <p:cNvPr id="56" name="テキスト ボックス 55">
+            <a:extLst>
+              <a:ext uri="{FF2B5EF4-FFF2-40B4-BE49-F238E27FC236}">
+                <a16:creationId xmlns:a16="http://schemas.microsoft.com/office/drawing/2014/main" id="{968E8037-6597-7C99-B6C0-BFAC6F5BFBD3}"/>
+              </a:ext>
+            </a:extLst>
+          </p:cNvPr>
+          <p:cNvSpPr txBox="1"/>
+          <p:nvPr/>
+        </p:nvSpPr>
+        <p:spPr>
+          <a:xfrm>
+            <a:off x="2285071" y="5343700"/>
+            <a:ext cx="551754" cy="369332"/>
+          </a:xfrm>
+          <a:prstGeom prst="rect">
+            <a:avLst/>
+          </a:prstGeom>
+          <a:noFill/>
+        </p:spPr>
+        <p:txBody>
+          <a:bodyPr wrap="none" rtlCol="0">
+            <a:spAutoFit/>
+          </a:bodyPr>
+          <a:lstStyle/>
+          <a:p>
+            <a:r>
+              <a:rPr kumimoji="1" lang="en-US" altLang="ja-JP"/>
+              <a:t>0.8</a:t>
+            </a:r>
+            <a:endParaRPr kumimoji="1" lang="ja-JP" altLang="en-US"/>
+          </a:p>
+        </p:txBody>
+      </p:sp>
     </p:spTree>
     <p:extLst>
       <p:ext uri="{BB962C8B-B14F-4D97-AF65-F5344CB8AC3E}">

--- a/figure/figure.pptx
+++ b/figure/figure.pptx
@@ -5,10 +5,11 @@
     <p:sldMasterId id="2147483660" r:id="rId1"/>
   </p:sldMasterIdLst>
   <p:notesMasterIdLst>
-    <p:notesMasterId r:id="rId3"/>
+    <p:notesMasterId r:id="rId4"/>
   </p:notesMasterIdLst>
   <p:sldIdLst>
-    <p:sldId id="258" r:id="rId2"/>
+    <p:sldId id="259" r:id="rId2"/>
+    <p:sldId id="258" r:id="rId3"/>
   </p:sldIdLst>
   <p:sldSz cx="9144000" cy="6858000" type="screen4x3"/>
   <p:notesSz cx="6858000" cy="9144000"/>
@@ -197,7 +198,7 @@
           <a:p>
             <a:fld id="{665125FB-17D8-7A44-9CF7-5C08776F6197}" type="datetimeFigureOut">
               <a:rPr lang="en-JP" smtClean="0"/>
-              <a:t>6/29/23</a:t>
+              <a:t>5/10/24</a:t>
             </a:fld>
             <a:endParaRPr lang="en-JP"/>
           </a:p>
@@ -1994,6 +1995,852 @@
       </p:grpSpPr>
       <p:sp>
         <p:nvSpPr>
+          <p:cNvPr id="2" name="スライド番号プレースホルダー 1">
+            <a:extLst>
+              <a:ext uri="{FF2B5EF4-FFF2-40B4-BE49-F238E27FC236}">
+                <a16:creationId xmlns:a16="http://schemas.microsoft.com/office/drawing/2014/main" id="{049BC662-B9A3-A908-562A-CE47C200C501}"/>
+              </a:ext>
+            </a:extLst>
+          </p:cNvPr>
+          <p:cNvSpPr>
+            <a:spLocks noGrp="1"/>
+          </p:cNvSpPr>
+          <p:nvPr>
+            <p:ph type="sldNum" sz="quarter" idx="12"/>
+          </p:nvPr>
+        </p:nvSpPr>
+        <p:spPr/>
+        <p:txBody>
+          <a:bodyPr/>
+          <a:lstStyle/>
+          <a:p>
+            <a:fld id="{FC9F5F86-3E28-3045-BD63-940DA632BAE0}" type="slidenum">
+              <a:rPr lang="en-JP" smtClean="0"/>
+              <a:pPr/>
+              <a:t>1</a:t>
+            </a:fld>
+            <a:endParaRPr lang="en-JP"/>
+          </a:p>
+        </p:txBody>
+      </p:sp>
+      <p:sp>
+        <p:nvSpPr>
+          <p:cNvPr id="4" name="正方形/長方形 3">
+            <a:extLst>
+              <a:ext uri="{FF2B5EF4-FFF2-40B4-BE49-F238E27FC236}">
+                <a16:creationId xmlns:a16="http://schemas.microsoft.com/office/drawing/2014/main" id="{ACC3A5A3-8477-500F-189E-7B986D979FE6}"/>
+              </a:ext>
+            </a:extLst>
+          </p:cNvPr>
+          <p:cNvSpPr/>
+          <p:nvPr/>
+        </p:nvSpPr>
+        <p:spPr>
+          <a:xfrm>
+            <a:off x="4796117" y="1739153"/>
+            <a:ext cx="3433482" cy="2994212"/>
+          </a:xfrm>
+          <a:prstGeom prst="rect">
+            <a:avLst/>
+          </a:prstGeom>
+          <a:noFill/>
+          <a:ln w="19050">
+            <a:solidFill>
+              <a:schemeClr val="tx1"/>
+            </a:solidFill>
+          </a:ln>
+        </p:spPr>
+        <p:style>
+          <a:lnRef idx="2">
+            <a:schemeClr val="accent1">
+              <a:shade val="50000"/>
+            </a:schemeClr>
+          </a:lnRef>
+          <a:fillRef idx="1">
+            <a:schemeClr val="accent1"/>
+          </a:fillRef>
+          <a:effectRef idx="0">
+            <a:schemeClr val="accent1"/>
+          </a:effectRef>
+          <a:fontRef idx="minor">
+            <a:schemeClr val="lt1"/>
+          </a:fontRef>
+        </p:style>
+        <p:txBody>
+          <a:bodyPr rtlCol="0" anchor="ctr"/>
+          <a:lstStyle/>
+          <a:p>
+            <a:pPr algn="ctr"/>
+            <a:endParaRPr kumimoji="1" lang="ja-JP" altLang="en-US" dirty="0"/>
+          </a:p>
+        </p:txBody>
+      </p:sp>
+      <p:sp>
+        <p:nvSpPr>
+          <p:cNvPr id="5" name="円/楕円 4">
+            <a:extLst>
+              <a:ext uri="{FF2B5EF4-FFF2-40B4-BE49-F238E27FC236}">
+                <a16:creationId xmlns:a16="http://schemas.microsoft.com/office/drawing/2014/main" id="{7B4990E3-073B-4CD0-4A9F-5C7EA3CAD3A8}"/>
+              </a:ext>
+            </a:extLst>
+          </p:cNvPr>
+          <p:cNvSpPr/>
+          <p:nvPr/>
+        </p:nvSpPr>
+        <p:spPr>
+          <a:xfrm>
+            <a:off x="708212" y="1999129"/>
+            <a:ext cx="2590800" cy="2474259"/>
+          </a:xfrm>
+          <a:prstGeom prst="ellipse">
+            <a:avLst/>
+          </a:prstGeom>
+          <a:noFill/>
+          <a:ln w="19050">
+            <a:solidFill>
+              <a:schemeClr val="tx1"/>
+            </a:solidFill>
+          </a:ln>
+        </p:spPr>
+        <p:style>
+          <a:lnRef idx="2">
+            <a:schemeClr val="accent1">
+              <a:shade val="50000"/>
+            </a:schemeClr>
+          </a:lnRef>
+          <a:fillRef idx="1">
+            <a:schemeClr val="accent1"/>
+          </a:fillRef>
+          <a:effectRef idx="0">
+            <a:schemeClr val="accent1"/>
+          </a:effectRef>
+          <a:fontRef idx="minor">
+            <a:schemeClr val="lt1"/>
+          </a:fontRef>
+        </p:style>
+        <p:txBody>
+          <a:bodyPr rtlCol="0" anchor="ctr"/>
+          <a:lstStyle/>
+          <a:p>
+            <a:pPr algn="ctr"/>
+            <a:endParaRPr kumimoji="1" lang="ja-JP" altLang="en-US" dirty="0"/>
+          </a:p>
+        </p:txBody>
+      </p:sp>
+      <p:sp>
+        <p:nvSpPr>
+          <p:cNvPr id="6" name="テキスト ボックス 5">
+            <a:extLst>
+              <a:ext uri="{FF2B5EF4-FFF2-40B4-BE49-F238E27FC236}">
+                <a16:creationId xmlns:a16="http://schemas.microsoft.com/office/drawing/2014/main" id="{30DA1055-5F90-ED45-F6A2-B5F78691EC49}"/>
+              </a:ext>
+            </a:extLst>
+          </p:cNvPr>
+          <p:cNvSpPr txBox="1"/>
+          <p:nvPr/>
+        </p:nvSpPr>
+        <p:spPr>
+          <a:xfrm>
+            <a:off x="1175080" y="2413284"/>
+            <a:ext cx="1800493" cy="369332"/>
+          </a:xfrm>
+          <a:prstGeom prst="rect">
+            <a:avLst/>
+          </a:prstGeom>
+          <a:noFill/>
+        </p:spPr>
+        <p:txBody>
+          <a:bodyPr wrap="none" rtlCol="0">
+            <a:spAutoFit/>
+          </a:bodyPr>
+          <a:lstStyle/>
+          <a:p>
+            <a:pPr algn="ctr"/>
+            <a:r>
+              <a:rPr kumimoji="1" lang="ja-JP" altLang="en-US"/>
+              <a:t>データ（標本）</a:t>
+            </a:r>
+          </a:p>
+        </p:txBody>
+      </p:sp>
+      <mc:AlternateContent xmlns:mc="http://schemas.openxmlformats.org/markup-compatibility/2006">
+        <mc:Choice xmlns:a14="http://schemas.microsoft.com/office/drawing/2010/main" Requires="a14">
+          <p:sp>
+            <p:nvSpPr>
+              <p:cNvPr id="7" name="テキスト ボックス 6">
+                <a:extLst>
+                  <a:ext uri="{FF2B5EF4-FFF2-40B4-BE49-F238E27FC236}">
+                    <a16:creationId xmlns:a16="http://schemas.microsoft.com/office/drawing/2014/main" id="{5BA7EE21-6C39-D0B1-98C8-F8D98CF18BA1}"/>
+                  </a:ext>
+                </a:extLst>
+              </p:cNvPr>
+              <p:cNvSpPr txBox="1"/>
+              <p:nvPr/>
+            </p:nvSpPr>
+            <p:spPr>
+              <a:xfrm>
+                <a:off x="955727" y="3198167"/>
+                <a:ext cx="2095767" cy="461665"/>
+              </a:xfrm>
+              <a:prstGeom prst="rect">
+                <a:avLst/>
+              </a:prstGeom>
+              <a:noFill/>
+            </p:spPr>
+            <p:txBody>
+              <a:bodyPr wrap="none" rtlCol="0">
+                <a:spAutoFit/>
+              </a:bodyPr>
+              <a:lstStyle/>
+              <a:p>
+                <a14:m>
+                  <m:oMathPara xmlns:m="http://schemas.openxmlformats.org/officeDocument/2006/math">
+                    <m:oMathParaPr>
+                      <m:jc m:val="centerGroup"/>
+                    </m:oMathParaPr>
+                    <m:oMath xmlns:m="http://schemas.openxmlformats.org/officeDocument/2006/math">
+                      <m:r>
+                        <a:rPr kumimoji="1" lang="en-US" altLang="ja-JP" sz="2400" b="0" i="1">
+                          <a:latin typeface="Cambria Math" panose="02040503050406030204" pitchFamily="18" charset="0"/>
+                        </a:rPr>
+                        <m:t>(</m:t>
+                      </m:r>
+                      <m:sSub>
+                        <m:sSubPr>
+                          <m:ctrlPr>
+                            <a:rPr kumimoji="1" lang="en-US" altLang="ja-JP" sz="2400" b="0" i="1">
+                              <a:latin typeface="Cambria Math" panose="02040503050406030204" pitchFamily="18" charset="0"/>
+                            </a:rPr>
+                          </m:ctrlPr>
+                        </m:sSubPr>
+                        <m:e>
+                          <m:r>
+                            <a:rPr kumimoji="1" lang="en-US" altLang="ja-JP" sz="2400" b="0" i="1">
+                              <a:latin typeface="Cambria Math" panose="02040503050406030204" pitchFamily="18" charset="0"/>
+                            </a:rPr>
+                            <m:t>𝑥</m:t>
+                          </m:r>
+                        </m:e>
+                        <m:sub>
+                          <m:r>
+                            <a:rPr kumimoji="1" lang="en-US" altLang="ja-JP" sz="2400" b="0" i="1">
+                              <a:latin typeface="Cambria Math" panose="02040503050406030204" pitchFamily="18" charset="0"/>
+                            </a:rPr>
+                            <m:t>1</m:t>
+                          </m:r>
+                        </m:sub>
+                      </m:sSub>
+                      <m:r>
+                        <a:rPr kumimoji="1" lang="en-US" altLang="ja-JP" sz="2400" b="0" i="1">
+                          <a:latin typeface="Cambria Math" panose="02040503050406030204" pitchFamily="18" charset="0"/>
+                        </a:rPr>
+                        <m:t>,</m:t>
+                      </m:r>
+                      <m:sSub>
+                        <m:sSubPr>
+                          <m:ctrlPr>
+                            <a:rPr kumimoji="1" lang="en-US" altLang="ja-JP" sz="2400" b="0" i="1">
+                              <a:latin typeface="Cambria Math" panose="02040503050406030204" pitchFamily="18" charset="0"/>
+                            </a:rPr>
+                          </m:ctrlPr>
+                        </m:sSubPr>
+                        <m:e>
+                          <m:r>
+                            <a:rPr kumimoji="1" lang="en-US" altLang="ja-JP" sz="2400" b="0" i="1">
+                              <a:latin typeface="Cambria Math" panose="02040503050406030204" pitchFamily="18" charset="0"/>
+                            </a:rPr>
+                            <m:t>𝑥</m:t>
+                          </m:r>
+                        </m:e>
+                        <m:sub>
+                          <m:r>
+                            <a:rPr kumimoji="1" lang="en-US" altLang="ja-JP" sz="2400" b="0" i="1">
+                              <a:latin typeface="Cambria Math" panose="02040503050406030204" pitchFamily="18" charset="0"/>
+                            </a:rPr>
+                            <m:t>2</m:t>
+                          </m:r>
+                        </m:sub>
+                      </m:sSub>
+                      <m:r>
+                        <a:rPr kumimoji="1" lang="en-US" altLang="ja-JP" sz="2400" b="0" i="1">
+                          <a:latin typeface="Cambria Math" panose="02040503050406030204" pitchFamily="18" charset="0"/>
+                        </a:rPr>
+                        <m:t>,</m:t>
+                      </m:r>
+                      <m:r>
+                        <a:rPr kumimoji="1" lang="en-US" altLang="ja-JP" sz="2400" b="0" i="1">
+                          <a:latin typeface="Cambria Math" panose="02040503050406030204" pitchFamily="18" charset="0"/>
+                          <a:ea typeface="Cambria Math" panose="02040503050406030204" pitchFamily="18" charset="0"/>
+                        </a:rPr>
+                        <m:t>⋯,</m:t>
+                      </m:r>
+                      <m:sSub>
+                        <m:sSubPr>
+                          <m:ctrlPr>
+                            <a:rPr kumimoji="1" lang="en-US" altLang="ja-JP" sz="2400" b="0" i="1">
+                              <a:latin typeface="Cambria Math" panose="02040503050406030204" pitchFamily="18" charset="0"/>
+                              <a:ea typeface="Cambria Math" panose="02040503050406030204" pitchFamily="18" charset="0"/>
+                            </a:rPr>
+                          </m:ctrlPr>
+                        </m:sSubPr>
+                        <m:e>
+                          <m:r>
+                            <a:rPr kumimoji="1" lang="en-US" altLang="ja-JP" sz="2400" b="0" i="1">
+                              <a:latin typeface="Cambria Math" panose="02040503050406030204" pitchFamily="18" charset="0"/>
+                              <a:ea typeface="Cambria Math" panose="02040503050406030204" pitchFamily="18" charset="0"/>
+                            </a:rPr>
+                            <m:t>𝑥</m:t>
+                          </m:r>
+                        </m:e>
+                        <m:sub>
+                          <m:r>
+                            <a:rPr kumimoji="1" lang="en-US" altLang="ja-JP" sz="2400" b="0" i="1">
+                              <a:latin typeface="Cambria Math" panose="02040503050406030204" pitchFamily="18" charset="0"/>
+                              <a:ea typeface="Cambria Math" panose="02040503050406030204" pitchFamily="18" charset="0"/>
+                            </a:rPr>
+                            <m:t>𝑛</m:t>
+                          </m:r>
+                        </m:sub>
+                      </m:sSub>
+                      <m:r>
+                        <a:rPr kumimoji="1" lang="en-US" altLang="ja-JP" sz="2400" b="0" i="1">
+                          <a:latin typeface="Cambria Math" panose="02040503050406030204" pitchFamily="18" charset="0"/>
+                        </a:rPr>
+                        <m:t>)</m:t>
+                      </m:r>
+                    </m:oMath>
+                  </m:oMathPara>
+                </a14:m>
+                <a:endParaRPr kumimoji="1" lang="ja-JP" altLang="en-US" sz="2400"/>
+              </a:p>
+            </p:txBody>
+          </p:sp>
+        </mc:Choice>
+        <mc:Fallback>
+          <p:sp>
+            <p:nvSpPr>
+              <p:cNvPr id="7" name="テキスト ボックス 6">
+                <a:extLst>
+                  <a:ext uri="{FF2B5EF4-FFF2-40B4-BE49-F238E27FC236}">
+                    <a16:creationId xmlns:a16="http://schemas.microsoft.com/office/drawing/2014/main" id="{5BA7EE21-6C39-D0B1-98C8-F8D98CF18BA1}"/>
+                  </a:ext>
+                </a:extLst>
+              </p:cNvPr>
+              <p:cNvSpPr txBox="1">
+                <a:spLocks noRot="1" noChangeAspect="1" noMove="1" noResize="1" noEditPoints="1" noAdjustHandles="1" noChangeArrowheads="1" noChangeShapeType="1" noTextEdit="1"/>
+              </p:cNvSpPr>
+              <p:nvPr/>
+            </p:nvSpPr>
+            <p:spPr>
+              <a:xfrm>
+                <a:off x="955727" y="3198167"/>
+                <a:ext cx="2095767" cy="461665"/>
+              </a:xfrm>
+              <a:prstGeom prst="rect">
+                <a:avLst/>
+              </a:prstGeom>
+              <a:blipFill>
+                <a:blip r:embed="rId2"/>
+                <a:stretch>
+                  <a:fillRect l="-602" b="-16667"/>
+                </a:stretch>
+              </a:blipFill>
+            </p:spPr>
+            <p:txBody>
+              <a:bodyPr/>
+              <a:lstStyle/>
+              <a:p>
+                <a:r>
+                  <a:rPr lang="ja-JP" altLang="en-US">
+                    <a:noFill/>
+                  </a:rPr>
+                  <a:t> </a:t>
+                </a:r>
+              </a:p>
+            </p:txBody>
+          </p:sp>
+        </mc:Fallback>
+      </mc:AlternateContent>
+      <p:sp>
+        <p:nvSpPr>
+          <p:cNvPr id="8" name="テキスト ボックス 7">
+            <a:extLst>
+              <a:ext uri="{FF2B5EF4-FFF2-40B4-BE49-F238E27FC236}">
+                <a16:creationId xmlns:a16="http://schemas.microsoft.com/office/drawing/2014/main" id="{B962D46B-3E0F-F74C-30C4-B02D3C1F4F84}"/>
+              </a:ext>
+            </a:extLst>
+          </p:cNvPr>
+          <p:cNvSpPr txBox="1"/>
+          <p:nvPr/>
+        </p:nvSpPr>
+        <p:spPr>
+          <a:xfrm>
+            <a:off x="4938356" y="1911977"/>
+            <a:ext cx="877163" cy="369332"/>
+          </a:xfrm>
+          <a:prstGeom prst="rect">
+            <a:avLst/>
+          </a:prstGeom>
+          <a:noFill/>
+        </p:spPr>
+        <p:txBody>
+          <a:bodyPr wrap="none" rtlCol="0">
+            <a:spAutoFit/>
+          </a:bodyPr>
+          <a:lstStyle/>
+          <a:p>
+            <a:r>
+              <a:rPr kumimoji="1" lang="ja-JP" altLang="en-US"/>
+              <a:t>母集団</a:t>
+            </a:r>
+          </a:p>
+        </p:txBody>
+      </p:sp>
+      <p:pic>
+        <p:nvPicPr>
+          <p:cNvPr id="11" name="グラフィックス 10" descr="正規分布 枠線">
+            <a:extLst>
+              <a:ext uri="{FF2B5EF4-FFF2-40B4-BE49-F238E27FC236}">
+                <a16:creationId xmlns:a16="http://schemas.microsoft.com/office/drawing/2014/main" id="{6C98F828-8FF7-6EB3-5445-40AFC07111AD}"/>
+              </a:ext>
+            </a:extLst>
+          </p:cNvPr>
+          <p:cNvPicPr>
+            <a:picLocks noChangeAspect="1"/>
+          </p:cNvPicPr>
+          <p:nvPr/>
+        </p:nvPicPr>
+        <p:blipFill>
+          <a:blip r:embed="rId3">
+            <a:extLst>
+              <a:ext uri="{96DAC541-7B7A-43D3-8B79-37D633B846F1}">
+                <asvg:svgBlip xmlns:asvg="http://schemas.microsoft.com/office/drawing/2016/SVG/main" r:embed="rId4"/>
+              </a:ext>
+            </a:extLst>
+          </a:blip>
+          <a:stretch>
+            <a:fillRect/>
+          </a:stretch>
+        </p:blipFill>
+        <p:spPr>
+          <a:xfrm>
+            <a:off x="5565197" y="2259105"/>
+            <a:ext cx="2037561" cy="2037561"/>
+          </a:xfrm>
+          <a:prstGeom prst="rect">
+            <a:avLst/>
+          </a:prstGeom>
+        </p:spPr>
+      </p:pic>
+      <mc:AlternateContent xmlns:mc="http://schemas.openxmlformats.org/markup-compatibility/2006">
+        <mc:Choice xmlns:a14="http://schemas.microsoft.com/office/drawing/2010/main" Requires="a14">
+          <p:sp>
+            <p:nvSpPr>
+              <p:cNvPr id="12" name="テキスト ボックス 11">
+                <a:extLst>
+                  <a:ext uri="{FF2B5EF4-FFF2-40B4-BE49-F238E27FC236}">
+                    <a16:creationId xmlns:a16="http://schemas.microsoft.com/office/drawing/2014/main" id="{DB50680D-1266-52F4-CD61-F625ABEE0E04}"/>
+                  </a:ext>
+                </a:extLst>
+              </p:cNvPr>
+              <p:cNvSpPr txBox="1"/>
+              <p:nvPr/>
+            </p:nvSpPr>
+            <p:spPr>
+              <a:xfrm rot="16200000">
+                <a:off x="5015746" y="3093218"/>
+                <a:ext cx="908839" cy="369332"/>
+              </a:xfrm>
+              <a:prstGeom prst="rect">
+                <a:avLst/>
+              </a:prstGeom>
+              <a:noFill/>
+            </p:spPr>
+            <p:txBody>
+              <a:bodyPr wrap="none" rtlCol="0">
+                <a:spAutoFit/>
+              </a:bodyPr>
+              <a:lstStyle/>
+              <a:p>
+                <a14:m>
+                  <m:oMathPara xmlns:m="http://schemas.openxmlformats.org/officeDocument/2006/math">
+                    <m:oMathParaPr>
+                      <m:jc m:val="centerGroup"/>
+                    </m:oMathParaPr>
+                    <m:oMath xmlns:m="http://schemas.openxmlformats.org/officeDocument/2006/math">
+                      <m:r>
+                        <a:rPr kumimoji="1" lang="en-US" altLang="ja-JP" b="0" i="1">
+                          <a:latin typeface="Cambria Math" panose="02040503050406030204" pitchFamily="18" charset="0"/>
+                        </a:rPr>
+                        <m:t>𝑓</m:t>
+                      </m:r>
+                      <m:r>
+                        <a:rPr kumimoji="1" lang="en-US" altLang="ja-JP" b="0" i="1">
+                          <a:latin typeface="Cambria Math" panose="02040503050406030204" pitchFamily="18" charset="0"/>
+                        </a:rPr>
+                        <m:t>(</m:t>
+                      </m:r>
+                      <m:r>
+                        <a:rPr kumimoji="1" lang="en-US" altLang="ja-JP" b="0" i="1">
+                          <a:latin typeface="Cambria Math" panose="02040503050406030204" pitchFamily="18" charset="0"/>
+                        </a:rPr>
+                        <m:t>𝑥</m:t>
+                      </m:r>
+                      <m:r>
+                        <a:rPr kumimoji="1" lang="en-US" altLang="ja-JP" b="0" i="1">
+                          <a:latin typeface="Cambria Math" panose="02040503050406030204" pitchFamily="18" charset="0"/>
+                        </a:rPr>
+                        <m:t>|</m:t>
+                      </m:r>
+                      <m:r>
+                        <a:rPr kumimoji="1" lang="en-US" altLang="ja-JP" b="1" i="1">
+                          <a:latin typeface="Cambria Math" panose="02040503050406030204" pitchFamily="18" charset="0"/>
+                          <a:ea typeface="Cambria Math" panose="02040503050406030204" pitchFamily="18" charset="0"/>
+                        </a:rPr>
+                        <m:t>𝜽</m:t>
+                      </m:r>
+                      <m:r>
+                        <a:rPr kumimoji="1" lang="en-US" altLang="ja-JP" b="0" i="1">
+                          <a:latin typeface="Cambria Math" panose="02040503050406030204" pitchFamily="18" charset="0"/>
+                        </a:rPr>
+                        <m:t>)</m:t>
+                      </m:r>
+                    </m:oMath>
+                  </m:oMathPara>
+                </a14:m>
+                <a:endParaRPr kumimoji="1" lang="ja-JP" altLang="en-US"/>
+              </a:p>
+            </p:txBody>
+          </p:sp>
+        </mc:Choice>
+        <mc:Fallback>
+          <p:sp>
+            <p:nvSpPr>
+              <p:cNvPr id="12" name="テキスト ボックス 11">
+                <a:extLst>
+                  <a:ext uri="{FF2B5EF4-FFF2-40B4-BE49-F238E27FC236}">
+                    <a16:creationId xmlns:a16="http://schemas.microsoft.com/office/drawing/2014/main" id="{DB50680D-1266-52F4-CD61-F625ABEE0E04}"/>
+                  </a:ext>
+                </a:extLst>
+              </p:cNvPr>
+              <p:cNvSpPr txBox="1">
+                <a:spLocks noRot="1" noChangeAspect="1" noMove="1" noResize="1" noEditPoints="1" noAdjustHandles="1" noChangeArrowheads="1" noChangeShapeType="1" noTextEdit="1"/>
+              </p:cNvSpPr>
+              <p:nvPr/>
+            </p:nvSpPr>
+            <p:spPr>
+              <a:xfrm rot="16200000">
+                <a:off x="5015746" y="3093218"/>
+                <a:ext cx="908839" cy="369332"/>
+              </a:xfrm>
+              <a:prstGeom prst="rect">
+                <a:avLst/>
+              </a:prstGeom>
+              <a:blipFill>
+                <a:blip r:embed="rId5"/>
+                <a:stretch>
+                  <a:fillRect r="-10000"/>
+                </a:stretch>
+              </a:blipFill>
+            </p:spPr>
+            <p:txBody>
+              <a:bodyPr/>
+              <a:lstStyle/>
+              <a:p>
+                <a:r>
+                  <a:rPr lang="ja-JP" altLang="en-US">
+                    <a:noFill/>
+                  </a:rPr>
+                  <a:t> </a:t>
+                </a:r>
+              </a:p>
+            </p:txBody>
+          </p:sp>
+        </mc:Fallback>
+      </mc:AlternateContent>
+      <mc:AlternateContent xmlns:mc="http://schemas.openxmlformats.org/markup-compatibility/2006">
+        <mc:Choice xmlns:a14="http://schemas.microsoft.com/office/drawing/2010/main" Requires="a14">
+          <p:sp>
+            <p:nvSpPr>
+              <p:cNvPr id="13" name="テキスト ボックス 12">
+                <a:extLst>
+                  <a:ext uri="{FF2B5EF4-FFF2-40B4-BE49-F238E27FC236}">
+                    <a16:creationId xmlns:a16="http://schemas.microsoft.com/office/drawing/2014/main" id="{6E95F65B-1CBB-BDCD-7E52-F159DE8E016A}"/>
+                  </a:ext>
+                </a:extLst>
+              </p:cNvPr>
+              <p:cNvSpPr txBox="1"/>
+              <p:nvPr/>
+            </p:nvSpPr>
+            <p:spPr>
+              <a:xfrm>
+                <a:off x="6397580" y="4070127"/>
+                <a:ext cx="372794" cy="369332"/>
+              </a:xfrm>
+              <a:prstGeom prst="rect">
+                <a:avLst/>
+              </a:prstGeom>
+              <a:noFill/>
+            </p:spPr>
+            <p:txBody>
+              <a:bodyPr wrap="none" rtlCol="0">
+                <a:spAutoFit/>
+              </a:bodyPr>
+              <a:lstStyle/>
+              <a:p>
+                <a14:m>
+                  <m:oMathPara xmlns:m="http://schemas.openxmlformats.org/officeDocument/2006/math">
+                    <m:oMathParaPr>
+                      <m:jc m:val="centerGroup"/>
+                    </m:oMathParaPr>
+                    <m:oMath xmlns:m="http://schemas.openxmlformats.org/officeDocument/2006/math">
+                      <m:r>
+                        <a:rPr kumimoji="1" lang="en-US" altLang="ja-JP" b="0" i="1">
+                          <a:latin typeface="Cambria Math" panose="02040503050406030204" pitchFamily="18" charset="0"/>
+                        </a:rPr>
+                        <m:t>𝑥</m:t>
+                      </m:r>
+                    </m:oMath>
+                  </m:oMathPara>
+                </a14:m>
+                <a:endParaRPr kumimoji="1" lang="ja-JP" altLang="en-US"/>
+              </a:p>
+            </p:txBody>
+          </p:sp>
+        </mc:Choice>
+        <mc:Fallback>
+          <p:sp>
+            <p:nvSpPr>
+              <p:cNvPr id="13" name="テキスト ボックス 12">
+                <a:extLst>
+                  <a:ext uri="{FF2B5EF4-FFF2-40B4-BE49-F238E27FC236}">
+                    <a16:creationId xmlns:a16="http://schemas.microsoft.com/office/drawing/2014/main" id="{6E95F65B-1CBB-BDCD-7E52-F159DE8E016A}"/>
+                  </a:ext>
+                </a:extLst>
+              </p:cNvPr>
+              <p:cNvSpPr txBox="1">
+                <a:spLocks noRot="1" noChangeAspect="1" noMove="1" noResize="1" noEditPoints="1" noAdjustHandles="1" noChangeArrowheads="1" noChangeShapeType="1" noTextEdit="1"/>
+              </p:cNvSpPr>
+              <p:nvPr/>
+            </p:nvSpPr>
+            <p:spPr>
+              <a:xfrm>
+                <a:off x="6397580" y="4070127"/>
+                <a:ext cx="372794" cy="369332"/>
+              </a:xfrm>
+              <a:prstGeom prst="rect">
+                <a:avLst/>
+              </a:prstGeom>
+              <a:blipFill>
+                <a:blip r:embed="rId6"/>
+                <a:stretch>
+                  <a:fillRect/>
+                </a:stretch>
+              </a:blipFill>
+            </p:spPr>
+            <p:txBody>
+              <a:bodyPr/>
+              <a:lstStyle/>
+              <a:p>
+                <a:r>
+                  <a:rPr lang="ja-JP" altLang="en-US">
+                    <a:noFill/>
+                  </a:rPr>
+                  <a:t> </a:t>
+                </a:r>
+              </a:p>
+            </p:txBody>
+          </p:sp>
+        </mc:Fallback>
+      </mc:AlternateContent>
+      <p:cxnSp>
+        <p:nvCxnSpPr>
+          <p:cNvPr id="15" name="直線矢印コネクタ 14">
+            <a:extLst>
+              <a:ext uri="{FF2B5EF4-FFF2-40B4-BE49-F238E27FC236}">
+                <a16:creationId xmlns:a16="http://schemas.microsoft.com/office/drawing/2014/main" id="{46BFBD5E-CD84-5613-AA72-BED075B3FD4C}"/>
+              </a:ext>
+            </a:extLst>
+          </p:cNvPr>
+          <p:cNvCxnSpPr/>
+          <p:nvPr/>
+        </p:nvCxnSpPr>
+        <p:spPr>
+          <a:xfrm flipH="1">
+            <a:off x="3220720" y="2256115"/>
+            <a:ext cx="1259840" cy="0"/>
+          </a:xfrm>
+          <a:prstGeom prst="straightConnector1">
+            <a:avLst/>
+          </a:prstGeom>
+          <a:ln w="63500">
+            <a:solidFill>
+              <a:schemeClr val="tx1"/>
+            </a:solidFill>
+            <a:tailEnd type="triangle"/>
+          </a:ln>
+        </p:spPr>
+        <p:style>
+          <a:lnRef idx="1">
+            <a:schemeClr val="accent1"/>
+          </a:lnRef>
+          <a:fillRef idx="0">
+            <a:schemeClr val="accent1"/>
+          </a:fillRef>
+          <a:effectRef idx="0">
+            <a:schemeClr val="accent1"/>
+          </a:effectRef>
+          <a:fontRef idx="minor">
+            <a:schemeClr val="tx1"/>
+          </a:fontRef>
+        </p:style>
+      </p:cxnSp>
+      <p:sp>
+        <p:nvSpPr>
+          <p:cNvPr id="16" name="テキスト ボックス 15">
+            <a:extLst>
+              <a:ext uri="{FF2B5EF4-FFF2-40B4-BE49-F238E27FC236}">
+                <a16:creationId xmlns:a16="http://schemas.microsoft.com/office/drawing/2014/main" id="{1E179742-8D15-83DA-CD18-8E5E21766FFB}"/>
+              </a:ext>
+            </a:extLst>
+          </p:cNvPr>
+          <p:cNvSpPr txBox="1"/>
+          <p:nvPr/>
+        </p:nvSpPr>
+        <p:spPr>
+          <a:xfrm>
+            <a:off x="3566620" y="1739153"/>
+            <a:ext cx="646331" cy="369332"/>
+          </a:xfrm>
+          <a:prstGeom prst="rect">
+            <a:avLst/>
+          </a:prstGeom>
+          <a:noFill/>
+        </p:spPr>
+        <p:txBody>
+          <a:bodyPr wrap="none" rtlCol="0">
+            <a:spAutoFit/>
+          </a:bodyPr>
+          <a:lstStyle/>
+          <a:p>
+            <a:r>
+              <a:rPr kumimoji="1" lang="ja-JP" altLang="en-US"/>
+              <a:t>生成</a:t>
+            </a:r>
+          </a:p>
+        </p:txBody>
+      </p:sp>
+      <p:cxnSp>
+        <p:nvCxnSpPr>
+          <p:cNvPr id="17" name="直線矢印コネクタ 16">
+            <a:extLst>
+              <a:ext uri="{FF2B5EF4-FFF2-40B4-BE49-F238E27FC236}">
+                <a16:creationId xmlns:a16="http://schemas.microsoft.com/office/drawing/2014/main" id="{37C4C85A-2D5A-AF4A-7166-13BC016893EC}"/>
+              </a:ext>
+            </a:extLst>
+          </p:cNvPr>
+          <p:cNvCxnSpPr>
+            <a:cxnSpLocks/>
+          </p:cNvCxnSpPr>
+          <p:nvPr/>
+        </p:nvCxnSpPr>
+        <p:spPr>
+          <a:xfrm>
+            <a:off x="3298001" y="4070127"/>
+            <a:ext cx="1182559" cy="0"/>
+          </a:xfrm>
+          <a:prstGeom prst="straightConnector1">
+            <a:avLst/>
+          </a:prstGeom>
+          <a:ln w="63500">
+            <a:solidFill>
+              <a:schemeClr val="tx1"/>
+            </a:solidFill>
+            <a:tailEnd type="triangle"/>
+          </a:ln>
+        </p:spPr>
+        <p:style>
+          <a:lnRef idx="1">
+            <a:schemeClr val="accent1"/>
+          </a:lnRef>
+          <a:fillRef idx="0">
+            <a:schemeClr val="accent1"/>
+          </a:fillRef>
+          <a:effectRef idx="0">
+            <a:schemeClr val="accent1"/>
+          </a:effectRef>
+          <a:fontRef idx="minor">
+            <a:schemeClr val="tx1"/>
+          </a:fontRef>
+        </p:style>
+      </p:cxnSp>
+      <p:sp>
+        <p:nvSpPr>
+          <p:cNvPr id="19" name="テキスト ボックス 18">
+            <a:extLst>
+              <a:ext uri="{FF2B5EF4-FFF2-40B4-BE49-F238E27FC236}">
+                <a16:creationId xmlns:a16="http://schemas.microsoft.com/office/drawing/2014/main" id="{6183AAF0-3820-8995-9142-EE28EB309F13}"/>
+              </a:ext>
+            </a:extLst>
+          </p:cNvPr>
+          <p:cNvSpPr txBox="1"/>
+          <p:nvPr/>
+        </p:nvSpPr>
+        <p:spPr>
+          <a:xfrm>
+            <a:off x="3566620" y="4254793"/>
+            <a:ext cx="646331" cy="369332"/>
+          </a:xfrm>
+          <a:prstGeom prst="rect">
+            <a:avLst/>
+          </a:prstGeom>
+          <a:noFill/>
+        </p:spPr>
+        <p:txBody>
+          <a:bodyPr wrap="none" rtlCol="0">
+            <a:spAutoFit/>
+          </a:bodyPr>
+          <a:lstStyle/>
+          <a:p>
+            <a:r>
+              <a:rPr kumimoji="1" lang="ja-JP" altLang="en-US"/>
+              <a:t>推定</a:t>
+            </a:r>
+          </a:p>
+        </p:txBody>
+      </p:sp>
+    </p:spTree>
+    <p:extLst>
+      <p:ext uri="{BB962C8B-B14F-4D97-AF65-F5344CB8AC3E}">
+        <p14:creationId xmlns:p14="http://schemas.microsoft.com/office/powerpoint/2010/main" val="1322237634"/>
+      </p:ext>
+    </p:extLst>
+  </p:cSld>
+  <p:clrMapOvr>
+    <a:masterClrMapping/>
+  </p:clrMapOvr>
+</p:sld>
+</file>
+
+<file path=ppt/slides/slide2.xml><?xml version="1.0" encoding="utf-8"?>
+<p:sld xmlns:a="http://schemas.openxmlformats.org/drawingml/2006/main" xmlns:r="http://schemas.openxmlformats.org/officeDocument/2006/relationships" xmlns:p="http://schemas.openxmlformats.org/presentationml/2006/main">
+  <p:cSld>
+    <p:spTree>
+      <p:nvGrpSpPr>
+        <p:cNvPr id="1" name=""/>
+        <p:cNvGrpSpPr/>
+        <p:nvPr/>
+      </p:nvGrpSpPr>
+      <p:grpSpPr>
+        <a:xfrm>
+          <a:off x="0" y="0"/>
+          <a:ext cx="0" cy="0"/>
+          <a:chOff x="0" y="0"/>
+          <a:chExt cx="0" cy="0"/>
+        </a:xfrm>
+      </p:grpSpPr>
+      <p:sp>
+        <p:nvSpPr>
           <p:cNvPr id="7" name="テキスト ボックス 6">
             <a:extLst>
               <a:ext uri="{FF2B5EF4-FFF2-40B4-BE49-F238E27FC236}">
@@ -2585,8 +3432,8 @@
           </a:p>
         </p:txBody>
       </p:sp>
-      <mc:AlternateContent xmlns:mc="http://schemas.openxmlformats.org/markup-compatibility/2006">
-        <mc:Choice xmlns:a14="http://schemas.microsoft.com/office/drawing/2010/main" Requires="a14">
+      <mc:AlternateContent xmlns:mc="http://schemas.openxmlformats.org/markup-compatibility/2006" xmlns:a14="http://schemas.microsoft.com/office/drawing/2010/main">
+        <mc:Choice Requires="a14">
           <p:sp>
             <p:nvSpPr>
               <p:cNvPr id="36" name="テキスト ボックス 35">
@@ -2615,6 +3462,7 @@
               </a:bodyPr>
               <a:lstStyle/>
               <a:p>
+                <a:pPr/>
                 <a14:m>
                   <m:oMathPara xmlns:m="http://schemas.openxmlformats.org/officeDocument/2006/math">
                     <m:oMathParaPr>
@@ -2654,7 +3502,7 @@
             </p:txBody>
           </p:sp>
         </mc:Choice>
-        <mc:Fallback>
+        <mc:Fallback xmlns="">
           <p:sp>
             <p:nvSpPr>
               <p:cNvPr id="36" name="テキスト ボックス 35">
@@ -2699,8 +3547,8 @@
           </p:sp>
         </mc:Fallback>
       </mc:AlternateContent>
-      <mc:AlternateContent xmlns:mc="http://schemas.openxmlformats.org/markup-compatibility/2006">
-        <mc:Choice xmlns:a14="http://schemas.microsoft.com/office/drawing/2010/main" Requires="a14">
+      <mc:AlternateContent xmlns:mc="http://schemas.openxmlformats.org/markup-compatibility/2006" xmlns:a14="http://schemas.microsoft.com/office/drawing/2010/main">
+        <mc:Choice Requires="a14">
           <p:sp>
             <p:nvSpPr>
               <p:cNvPr id="37" name="テキスト ボックス 36">
@@ -2729,6 +3577,7 @@
               </a:bodyPr>
               <a:lstStyle/>
               <a:p>
+                <a:pPr/>
                 <a14:m>
                   <m:oMathPara xmlns:m="http://schemas.openxmlformats.org/officeDocument/2006/math">
                     <m:oMathParaPr>
@@ -2768,7 +3617,7 @@
             </p:txBody>
           </p:sp>
         </mc:Choice>
-        <mc:Fallback>
+        <mc:Fallback xmlns="">
           <p:sp>
             <p:nvSpPr>
               <p:cNvPr id="37" name="テキスト ボックス 36">
@@ -2813,8 +3662,8 @@
           </p:sp>
         </mc:Fallback>
       </mc:AlternateContent>
-      <mc:AlternateContent xmlns:mc="http://schemas.openxmlformats.org/markup-compatibility/2006">
-        <mc:Choice xmlns:a14="http://schemas.microsoft.com/office/drawing/2010/main" Requires="a14">
+      <mc:AlternateContent xmlns:mc="http://schemas.openxmlformats.org/markup-compatibility/2006" xmlns:a14="http://schemas.microsoft.com/office/drawing/2010/main">
+        <mc:Choice Requires="a14">
           <p:sp>
             <p:nvSpPr>
               <p:cNvPr id="38" name="テキスト ボックス 37">
@@ -2843,6 +3692,7 @@
               </a:bodyPr>
               <a:lstStyle/>
               <a:p>
+                <a:pPr/>
                 <a14:m>
                   <m:oMathPara xmlns:m="http://schemas.openxmlformats.org/officeDocument/2006/math">
                     <m:oMathParaPr>
@@ -2882,7 +3732,7 @@
             </p:txBody>
           </p:sp>
         </mc:Choice>
-        <mc:Fallback>
+        <mc:Fallback xmlns="">
           <p:sp>
             <p:nvSpPr>
               <p:cNvPr id="38" name="テキスト ボックス 37">
@@ -2927,8 +3777,8 @@
           </p:sp>
         </mc:Fallback>
       </mc:AlternateContent>
-      <mc:AlternateContent xmlns:mc="http://schemas.openxmlformats.org/markup-compatibility/2006">
-        <mc:Choice xmlns:a14="http://schemas.microsoft.com/office/drawing/2010/main" Requires="a14">
+      <mc:AlternateContent xmlns:mc="http://schemas.openxmlformats.org/markup-compatibility/2006" xmlns:a14="http://schemas.microsoft.com/office/drawing/2010/main">
+        <mc:Choice Requires="a14">
           <p:sp>
             <p:nvSpPr>
               <p:cNvPr id="39" name="テキスト ボックス 38">
@@ -2957,6 +3807,7 @@
               </a:bodyPr>
               <a:lstStyle/>
               <a:p>
+                <a:pPr/>
                 <a14:m>
                   <m:oMathPara xmlns:m="http://schemas.openxmlformats.org/officeDocument/2006/math">
                     <m:oMathParaPr>
@@ -2996,7 +3847,7 @@
             </p:txBody>
           </p:sp>
         </mc:Choice>
-        <mc:Fallback>
+        <mc:Fallback xmlns="">
           <p:sp>
             <p:nvSpPr>
               <p:cNvPr id="39" name="テキスト ボックス 38">
@@ -3041,8 +3892,8 @@
           </p:sp>
         </mc:Fallback>
       </mc:AlternateContent>
-      <mc:AlternateContent xmlns:mc="http://schemas.openxmlformats.org/markup-compatibility/2006">
-        <mc:Choice xmlns:a14="http://schemas.microsoft.com/office/drawing/2010/main" Requires="a14">
+      <mc:AlternateContent xmlns:mc="http://schemas.openxmlformats.org/markup-compatibility/2006" xmlns:a14="http://schemas.microsoft.com/office/drawing/2010/main">
+        <mc:Choice Requires="a14">
           <p:sp>
             <p:nvSpPr>
               <p:cNvPr id="40" name="テキスト ボックス 39">
@@ -3071,6 +3922,7 @@
               </a:bodyPr>
               <a:lstStyle/>
               <a:p>
+                <a:pPr/>
                 <a14:m>
                   <m:oMathPara xmlns:m="http://schemas.openxmlformats.org/officeDocument/2006/math">
                     <m:oMathParaPr>
@@ -3110,7 +3962,7 @@
             </p:txBody>
           </p:sp>
         </mc:Choice>
-        <mc:Fallback>
+        <mc:Fallback xmlns="">
           <p:sp>
             <p:nvSpPr>
               <p:cNvPr id="40" name="テキスト ボックス 39">
@@ -3155,8 +4007,8 @@
           </p:sp>
         </mc:Fallback>
       </mc:AlternateContent>
-      <mc:AlternateContent xmlns:mc="http://schemas.openxmlformats.org/markup-compatibility/2006">
-        <mc:Choice xmlns:a14="http://schemas.microsoft.com/office/drawing/2010/main" Requires="a14">
+      <mc:AlternateContent xmlns:mc="http://schemas.openxmlformats.org/markup-compatibility/2006" xmlns:a14="http://schemas.microsoft.com/office/drawing/2010/main">
+        <mc:Choice Requires="a14">
           <p:sp>
             <p:nvSpPr>
               <p:cNvPr id="41" name="テキスト ボックス 40">
@@ -3185,6 +4037,7 @@
               </a:bodyPr>
               <a:lstStyle/>
               <a:p>
+                <a:pPr/>
                 <a14:m>
                   <m:oMathPara xmlns:m="http://schemas.openxmlformats.org/officeDocument/2006/math">
                     <m:oMathParaPr>
@@ -3224,7 +4077,7 @@
             </p:txBody>
           </p:sp>
         </mc:Choice>
-        <mc:Fallback>
+        <mc:Fallback xmlns="">
           <p:sp>
             <p:nvSpPr>
               <p:cNvPr id="41" name="テキスト ボックス 40">
@@ -3269,8 +4122,8 @@
           </p:sp>
         </mc:Fallback>
       </mc:AlternateContent>
-      <mc:AlternateContent xmlns:mc="http://schemas.openxmlformats.org/markup-compatibility/2006">
-        <mc:Choice xmlns:a14="http://schemas.microsoft.com/office/drawing/2010/main" Requires="a14">
+      <mc:AlternateContent xmlns:mc="http://schemas.openxmlformats.org/markup-compatibility/2006" xmlns:a14="http://schemas.microsoft.com/office/drawing/2010/main">
+        <mc:Choice Requires="a14">
           <p:sp>
             <p:nvSpPr>
               <p:cNvPr id="42" name="テキスト ボックス 41">
@@ -3299,6 +4152,7 @@
               </a:bodyPr>
               <a:lstStyle/>
               <a:p>
+                <a:pPr/>
                 <a14:m>
                   <m:oMathPara xmlns:m="http://schemas.openxmlformats.org/officeDocument/2006/math">
                     <m:oMathParaPr>
@@ -3338,7 +4192,7 @@
             </p:txBody>
           </p:sp>
         </mc:Choice>
-        <mc:Fallback>
+        <mc:Fallback xmlns="">
           <p:sp>
             <p:nvSpPr>
               <p:cNvPr id="42" name="テキスト ボックス 41">
@@ -3383,8 +4237,8 @@
           </p:sp>
         </mc:Fallback>
       </mc:AlternateContent>
-      <mc:AlternateContent xmlns:mc="http://schemas.openxmlformats.org/markup-compatibility/2006">
-        <mc:Choice xmlns:a14="http://schemas.microsoft.com/office/drawing/2010/main" Requires="a14">
+      <mc:AlternateContent xmlns:mc="http://schemas.openxmlformats.org/markup-compatibility/2006" xmlns:a14="http://schemas.microsoft.com/office/drawing/2010/main">
+        <mc:Choice Requires="a14">
           <p:sp>
             <p:nvSpPr>
               <p:cNvPr id="43" name="テキスト ボックス 42">
@@ -3413,6 +4267,7 @@
               </a:bodyPr>
               <a:lstStyle/>
               <a:p>
+                <a:pPr/>
                 <a14:m>
                   <m:oMathPara xmlns:m="http://schemas.openxmlformats.org/officeDocument/2006/math">
                     <m:oMathParaPr>
@@ -3452,7 +4307,7 @@
             </p:txBody>
           </p:sp>
         </mc:Choice>
-        <mc:Fallback>
+        <mc:Fallback xmlns="">
           <p:sp>
             <p:nvSpPr>
               <p:cNvPr id="43" name="テキスト ボックス 42">
@@ -3497,8 +4352,8 @@
           </p:sp>
         </mc:Fallback>
       </mc:AlternateContent>
-      <mc:AlternateContent xmlns:mc="http://schemas.openxmlformats.org/markup-compatibility/2006">
-        <mc:Choice xmlns:a14="http://schemas.microsoft.com/office/drawing/2010/main" Requires="a14">
+      <mc:AlternateContent xmlns:mc="http://schemas.openxmlformats.org/markup-compatibility/2006" xmlns:a14="http://schemas.microsoft.com/office/drawing/2010/main">
+        <mc:Choice Requires="a14">
           <p:sp>
             <p:nvSpPr>
               <p:cNvPr id="44" name="テキスト ボックス 43">
@@ -3527,6 +4382,7 @@
               </a:bodyPr>
               <a:lstStyle/>
               <a:p>
+                <a:pPr/>
                 <a14:m>
                   <m:oMathPara xmlns:m="http://schemas.openxmlformats.org/officeDocument/2006/math">
                     <m:oMathParaPr>
@@ -3566,7 +4422,7 @@
             </p:txBody>
           </p:sp>
         </mc:Choice>
-        <mc:Fallback>
+        <mc:Fallback xmlns="">
           <p:sp>
             <p:nvSpPr>
               <p:cNvPr id="44" name="テキスト ボックス 43">

--- a/figure/figure.pptx
+++ b/figure/figure.pptx
@@ -198,7 +198,7 @@
           <a:p>
             <a:fld id="{665125FB-17D8-7A44-9CF7-5C08776F6197}" type="datetimeFigureOut">
               <a:rPr lang="en-JP" smtClean="0"/>
-              <a:t>5/10/24</a:t>
+              <a:t>7/5/24</a:t>
             </a:fld>
             <a:endParaRPr lang="en-JP"/>
           </a:p>
@@ -2163,8 +2163,8 @@
           </a:p>
         </p:txBody>
       </p:sp>
-      <mc:AlternateContent xmlns:mc="http://schemas.openxmlformats.org/markup-compatibility/2006">
-        <mc:Choice xmlns:a14="http://schemas.microsoft.com/office/drawing/2010/main" Requires="a14">
+      <mc:AlternateContent xmlns:mc="http://schemas.openxmlformats.org/markup-compatibility/2006" xmlns:a14="http://schemas.microsoft.com/office/drawing/2010/main">
+        <mc:Choice Requires="a14">
           <p:sp>
             <p:nvSpPr>
               <p:cNvPr id="7" name="テキスト ボックス 6">
@@ -2193,6 +2193,7 @@
               </a:bodyPr>
               <a:lstStyle/>
               <a:p>
+                <a:pPr/>
                 <a14:m>
                   <m:oMathPara xmlns:m="http://schemas.openxmlformats.org/officeDocument/2006/math">
                     <m:oMathParaPr>
@@ -2316,7 +2317,7 @@
             </p:txBody>
           </p:sp>
         </mc:Choice>
-        <mc:Fallback>
+        <mc:Fallback xmlns="">
           <p:sp>
             <p:nvSpPr>
               <p:cNvPr id="7" name="テキスト ボックス 6">
@@ -2432,8 +2433,8 @@
           </a:prstGeom>
         </p:spPr>
       </p:pic>
-      <mc:AlternateContent xmlns:mc="http://schemas.openxmlformats.org/markup-compatibility/2006">
-        <mc:Choice xmlns:a14="http://schemas.microsoft.com/office/drawing/2010/main" Requires="a14">
+      <mc:AlternateContent xmlns:mc="http://schemas.openxmlformats.org/markup-compatibility/2006" xmlns:a14="http://schemas.microsoft.com/office/drawing/2010/main">
+        <mc:Choice Requires="a14">
           <p:sp>
             <p:nvSpPr>
               <p:cNvPr id="12" name="テキスト ボックス 11">
@@ -2462,6 +2463,7 @@
               </a:bodyPr>
               <a:lstStyle/>
               <a:p>
+                <a:pPr/>
                 <a14:m>
                   <m:oMathPara xmlns:m="http://schemas.openxmlformats.org/officeDocument/2006/math">
                     <m:oMathParaPr>
@@ -2513,7 +2515,7 @@
             </p:txBody>
           </p:sp>
         </mc:Choice>
-        <mc:Fallback>
+        <mc:Fallback xmlns="">
           <p:sp>
             <p:nvSpPr>
               <p:cNvPr id="12" name="テキスト ボックス 11">
@@ -2558,8 +2560,8 @@
           </p:sp>
         </mc:Fallback>
       </mc:AlternateContent>
-      <mc:AlternateContent xmlns:mc="http://schemas.openxmlformats.org/markup-compatibility/2006">
-        <mc:Choice xmlns:a14="http://schemas.microsoft.com/office/drawing/2010/main" Requires="a14">
+      <mc:AlternateContent xmlns:mc="http://schemas.openxmlformats.org/markup-compatibility/2006" xmlns:a14="http://schemas.microsoft.com/office/drawing/2010/main">
+        <mc:Choice Requires="a14">
           <p:sp>
             <p:nvSpPr>
               <p:cNvPr id="13" name="テキスト ボックス 12">
@@ -2588,6 +2590,7 @@
               </a:bodyPr>
               <a:lstStyle/>
               <a:p>
+                <a:pPr/>
                 <a14:m>
                   <m:oMathPara xmlns:m="http://schemas.openxmlformats.org/officeDocument/2006/math">
                     <m:oMathParaPr>
@@ -2608,7 +2611,7 @@
             </p:txBody>
           </p:sp>
         </mc:Choice>
-        <mc:Fallback>
+        <mc:Fallback xmlns="">
           <p:sp>
             <p:nvSpPr>
               <p:cNvPr id="13" name="テキスト ボックス 12">
@@ -3432,1041 +3435,339 @@
           </a:p>
         </p:txBody>
       </p:sp>
-      <mc:AlternateContent xmlns:mc="http://schemas.openxmlformats.org/markup-compatibility/2006" xmlns:a14="http://schemas.microsoft.com/office/drawing/2010/main">
-        <mc:Choice Requires="a14">
-          <p:sp>
-            <p:nvSpPr>
-              <p:cNvPr id="36" name="テキスト ボックス 35">
-                <a:extLst>
-                  <a:ext uri="{FF2B5EF4-FFF2-40B4-BE49-F238E27FC236}">
-                    <a16:creationId xmlns:a16="http://schemas.microsoft.com/office/drawing/2014/main" id="{EA64B29B-7339-E537-B657-F99F68D278F3}"/>
-                  </a:ext>
-                </a:extLst>
-              </p:cNvPr>
-              <p:cNvSpPr txBox="1"/>
-              <p:nvPr/>
-            </p:nvSpPr>
-            <p:spPr>
-              <a:xfrm>
-                <a:off x="517304" y="2837390"/>
-                <a:ext cx="563103" cy="369332"/>
-              </a:xfrm>
-              <a:prstGeom prst="rect">
-                <a:avLst/>
-              </a:prstGeom>
-              <a:noFill/>
-            </p:spPr>
-            <p:txBody>
-              <a:bodyPr wrap="none" rtlCol="0">
-                <a:spAutoFit/>
-              </a:bodyPr>
-              <a:lstStyle/>
-              <a:p>
-                <a:pPr/>
-                <a14:m>
-                  <m:oMathPara xmlns:m="http://schemas.openxmlformats.org/officeDocument/2006/math">
-                    <m:oMathParaPr>
-                      <m:jc m:val="centerGroup"/>
-                    </m:oMathParaPr>
-                    <m:oMath xmlns:m="http://schemas.openxmlformats.org/officeDocument/2006/math">
-                      <m:sSub>
-                        <m:sSubPr>
-                          <m:ctrlPr>
-                            <a:rPr kumimoji="1" lang="en-US" altLang="ja-JP" i="1">
-                              <a:latin typeface="Cambria Math" panose="02040503050406030204" pitchFamily="18" charset="0"/>
-                            </a:rPr>
-                          </m:ctrlPr>
-                        </m:sSubPr>
-                        <m:e>
-                          <m:r>
-                            <a:rPr kumimoji="1" lang="en-US" altLang="ja-JP" b="0" i="1">
-                              <a:latin typeface="Cambria Math" panose="02040503050406030204" pitchFamily="18" charset="0"/>
-                            </a:rPr>
-                            <m:t>𝑝</m:t>
-                          </m:r>
-                        </m:e>
-                        <m:sub>
-                          <m:r>
-                            <a:rPr kumimoji="1" lang="en-US" altLang="ja-JP" b="0" i="1">
-                              <a:latin typeface="Cambria Math" panose="02040503050406030204" pitchFamily="18" charset="0"/>
-                            </a:rPr>
-                            <m:t>11</m:t>
-                          </m:r>
-                        </m:sub>
-                      </m:sSub>
-                    </m:oMath>
-                  </m:oMathPara>
-                </a14:m>
-                <a:endParaRPr kumimoji="1" lang="ja-JP" altLang="en-US"/>
-              </a:p>
-            </p:txBody>
-          </p:sp>
-        </mc:Choice>
-        <mc:Fallback xmlns="">
-          <p:sp>
-            <p:nvSpPr>
-              <p:cNvPr id="36" name="テキスト ボックス 35">
-                <a:extLst>
-                  <a:ext uri="{FF2B5EF4-FFF2-40B4-BE49-F238E27FC236}">
-                    <a16:creationId xmlns:a16="http://schemas.microsoft.com/office/drawing/2014/main" id="{EA64B29B-7339-E537-B657-F99F68D278F3}"/>
-                  </a:ext>
-                </a:extLst>
-              </p:cNvPr>
-              <p:cNvSpPr txBox="1">
-                <a:spLocks noRot="1" noChangeAspect="1" noMove="1" noResize="1" noEditPoints="1" noAdjustHandles="1" noChangeArrowheads="1" noChangeShapeType="1" noTextEdit="1"/>
-              </p:cNvSpPr>
-              <p:nvPr/>
-            </p:nvSpPr>
-            <p:spPr>
-              <a:xfrm>
-                <a:off x="517304" y="2837390"/>
-                <a:ext cx="563103" cy="369332"/>
-              </a:xfrm>
-              <a:prstGeom prst="rect">
-                <a:avLst/>
-              </a:prstGeom>
-              <a:blipFill>
-                <a:blip r:embed="rId2"/>
-                <a:stretch>
-                  <a:fillRect b="-3333"/>
-                </a:stretch>
-              </a:blipFill>
-            </p:spPr>
-            <p:txBody>
-              <a:bodyPr/>
-              <a:lstStyle/>
-              <a:p>
-                <a:r>
-                  <a:rPr lang="ja-JP" altLang="en-US">
-                    <a:noFill/>
-                  </a:rPr>
-                  <a:t> </a:t>
-                </a:r>
-              </a:p>
-            </p:txBody>
-          </p:sp>
-        </mc:Fallback>
-      </mc:AlternateContent>
-      <mc:AlternateContent xmlns:mc="http://schemas.openxmlformats.org/markup-compatibility/2006" xmlns:a14="http://schemas.microsoft.com/office/drawing/2010/main">
-        <mc:Choice Requires="a14">
-          <p:sp>
-            <p:nvSpPr>
-              <p:cNvPr id="37" name="テキスト ボックス 36">
-                <a:extLst>
-                  <a:ext uri="{FF2B5EF4-FFF2-40B4-BE49-F238E27FC236}">
-                    <a16:creationId xmlns:a16="http://schemas.microsoft.com/office/drawing/2014/main" id="{A5509571-DDBE-779D-2296-F214E68B3B17}"/>
-                  </a:ext>
-                </a:extLst>
-              </p:cNvPr>
-              <p:cNvSpPr txBox="1"/>
-              <p:nvPr/>
-            </p:nvSpPr>
-            <p:spPr>
-              <a:xfrm>
-                <a:off x="2089839" y="223195"/>
-                <a:ext cx="568425" cy="369332"/>
-              </a:xfrm>
-              <a:prstGeom prst="rect">
-                <a:avLst/>
-              </a:prstGeom>
-              <a:noFill/>
-            </p:spPr>
-            <p:txBody>
-              <a:bodyPr wrap="none" rtlCol="0">
-                <a:spAutoFit/>
-              </a:bodyPr>
-              <a:lstStyle/>
-              <a:p>
-                <a:pPr/>
-                <a14:m>
-                  <m:oMathPara xmlns:m="http://schemas.openxmlformats.org/officeDocument/2006/math">
-                    <m:oMathParaPr>
-                      <m:jc m:val="centerGroup"/>
-                    </m:oMathParaPr>
-                    <m:oMath xmlns:m="http://schemas.openxmlformats.org/officeDocument/2006/math">
-                      <m:sSub>
-                        <m:sSubPr>
-                          <m:ctrlPr>
-                            <a:rPr kumimoji="1" lang="en-US" altLang="ja-JP" i="1">
-                              <a:latin typeface="Cambria Math" panose="02040503050406030204" pitchFamily="18" charset="0"/>
-                            </a:rPr>
-                          </m:ctrlPr>
-                        </m:sSubPr>
-                        <m:e>
-                          <m:r>
-                            <a:rPr kumimoji="1" lang="en-US" altLang="ja-JP" b="0" i="1">
-                              <a:latin typeface="Cambria Math" panose="02040503050406030204" pitchFamily="18" charset="0"/>
-                            </a:rPr>
-                            <m:t>𝑝</m:t>
-                          </m:r>
-                        </m:e>
-                        <m:sub>
-                          <m:r>
-                            <a:rPr kumimoji="1" lang="en-US" altLang="ja-JP" b="0" i="1">
-                              <a:latin typeface="Cambria Math" panose="02040503050406030204" pitchFamily="18" charset="0"/>
-                            </a:rPr>
-                            <m:t>00</m:t>
-                          </m:r>
-                        </m:sub>
-                      </m:sSub>
-                    </m:oMath>
-                  </m:oMathPara>
-                </a14:m>
-                <a:endParaRPr kumimoji="1" lang="ja-JP" altLang="en-US"/>
-              </a:p>
-            </p:txBody>
-          </p:sp>
-        </mc:Choice>
-        <mc:Fallback xmlns="">
-          <p:sp>
-            <p:nvSpPr>
-              <p:cNvPr id="37" name="テキスト ボックス 36">
-                <a:extLst>
-                  <a:ext uri="{FF2B5EF4-FFF2-40B4-BE49-F238E27FC236}">
-                    <a16:creationId xmlns:a16="http://schemas.microsoft.com/office/drawing/2014/main" id="{A5509571-DDBE-779D-2296-F214E68B3B17}"/>
-                  </a:ext>
-                </a:extLst>
-              </p:cNvPr>
-              <p:cNvSpPr txBox="1">
-                <a:spLocks noRot="1" noChangeAspect="1" noMove="1" noResize="1" noEditPoints="1" noAdjustHandles="1" noChangeArrowheads="1" noChangeShapeType="1" noTextEdit="1"/>
-              </p:cNvSpPr>
-              <p:nvPr/>
-            </p:nvSpPr>
-            <p:spPr>
-              <a:xfrm>
-                <a:off x="2089839" y="223195"/>
-                <a:ext cx="568425" cy="369332"/>
-              </a:xfrm>
-              <a:prstGeom prst="rect">
-                <a:avLst/>
-              </a:prstGeom>
-              <a:blipFill>
-                <a:blip r:embed="rId3"/>
-                <a:stretch>
-                  <a:fillRect b="-3333"/>
-                </a:stretch>
-              </a:blipFill>
-            </p:spPr>
-            <p:txBody>
-              <a:bodyPr/>
-              <a:lstStyle/>
-              <a:p>
-                <a:r>
-                  <a:rPr lang="ja-JP" altLang="en-US">
-                    <a:noFill/>
-                  </a:rPr>
-                  <a:t> </a:t>
-                </a:r>
-              </a:p>
-            </p:txBody>
-          </p:sp>
-        </mc:Fallback>
-      </mc:AlternateContent>
-      <mc:AlternateContent xmlns:mc="http://schemas.openxmlformats.org/markup-compatibility/2006" xmlns:a14="http://schemas.microsoft.com/office/drawing/2010/main">
-        <mc:Choice Requires="a14">
-          <p:sp>
-            <p:nvSpPr>
-              <p:cNvPr id="38" name="テキスト ボックス 37">
-                <a:extLst>
-                  <a:ext uri="{FF2B5EF4-FFF2-40B4-BE49-F238E27FC236}">
-                    <a16:creationId xmlns:a16="http://schemas.microsoft.com/office/drawing/2014/main" id="{4EE278EC-7734-8F5F-B5E2-6B8277B95B18}"/>
-                  </a:ext>
-                </a:extLst>
-              </p:cNvPr>
-              <p:cNvSpPr txBox="1"/>
-              <p:nvPr/>
-            </p:nvSpPr>
-            <p:spPr>
-              <a:xfrm>
-                <a:off x="4586491" y="2058605"/>
-                <a:ext cx="568425" cy="369332"/>
-              </a:xfrm>
-              <a:prstGeom prst="rect">
-                <a:avLst/>
-              </a:prstGeom>
-              <a:noFill/>
-            </p:spPr>
-            <p:txBody>
-              <a:bodyPr wrap="none" rtlCol="0">
-                <a:spAutoFit/>
-              </a:bodyPr>
-              <a:lstStyle/>
-              <a:p>
-                <a:pPr/>
-                <a14:m>
-                  <m:oMathPara xmlns:m="http://schemas.openxmlformats.org/officeDocument/2006/math">
-                    <m:oMathParaPr>
-                      <m:jc m:val="centerGroup"/>
-                    </m:oMathParaPr>
-                    <m:oMath xmlns:m="http://schemas.openxmlformats.org/officeDocument/2006/math">
-                      <m:sSub>
-                        <m:sSubPr>
-                          <m:ctrlPr>
-                            <a:rPr kumimoji="1" lang="en-US" altLang="ja-JP" i="1">
-                              <a:latin typeface="Cambria Math" panose="02040503050406030204" pitchFamily="18" charset="0"/>
-                            </a:rPr>
-                          </m:ctrlPr>
-                        </m:sSubPr>
-                        <m:e>
-                          <m:r>
-                            <a:rPr kumimoji="1" lang="en-US" altLang="ja-JP" b="0" i="1">
-                              <a:latin typeface="Cambria Math" panose="02040503050406030204" pitchFamily="18" charset="0"/>
-                            </a:rPr>
-                            <m:t>𝑝</m:t>
-                          </m:r>
-                        </m:e>
-                        <m:sub>
-                          <m:r>
-                            <a:rPr kumimoji="1" lang="en-US" altLang="ja-JP" b="0" i="1">
-                              <a:latin typeface="Cambria Math" panose="02040503050406030204" pitchFamily="18" charset="0"/>
-                            </a:rPr>
-                            <m:t>22</m:t>
-                          </m:r>
-                        </m:sub>
-                      </m:sSub>
-                    </m:oMath>
-                  </m:oMathPara>
-                </a14:m>
-                <a:endParaRPr kumimoji="1" lang="ja-JP" altLang="en-US"/>
-              </a:p>
-            </p:txBody>
-          </p:sp>
-        </mc:Choice>
-        <mc:Fallback xmlns="">
-          <p:sp>
-            <p:nvSpPr>
-              <p:cNvPr id="38" name="テキスト ボックス 37">
-                <a:extLst>
-                  <a:ext uri="{FF2B5EF4-FFF2-40B4-BE49-F238E27FC236}">
-                    <a16:creationId xmlns:a16="http://schemas.microsoft.com/office/drawing/2014/main" id="{4EE278EC-7734-8F5F-B5E2-6B8277B95B18}"/>
-                  </a:ext>
-                </a:extLst>
-              </p:cNvPr>
-              <p:cNvSpPr txBox="1">
-                <a:spLocks noRot="1" noChangeAspect="1" noMove="1" noResize="1" noEditPoints="1" noAdjustHandles="1" noChangeArrowheads="1" noChangeShapeType="1" noTextEdit="1"/>
-              </p:cNvSpPr>
-              <p:nvPr/>
-            </p:nvSpPr>
-            <p:spPr>
-              <a:xfrm>
-                <a:off x="4586491" y="2058605"/>
-                <a:ext cx="568425" cy="369332"/>
-              </a:xfrm>
-              <a:prstGeom prst="rect">
-                <a:avLst/>
-              </a:prstGeom>
-              <a:blipFill>
-                <a:blip r:embed="rId4"/>
-                <a:stretch>
-                  <a:fillRect b="-3333"/>
-                </a:stretch>
-              </a:blipFill>
-            </p:spPr>
-            <p:txBody>
-              <a:bodyPr/>
-              <a:lstStyle/>
-              <a:p>
-                <a:r>
-                  <a:rPr lang="ja-JP" altLang="en-US">
-                    <a:noFill/>
-                  </a:rPr>
-                  <a:t> </a:t>
-                </a:r>
-              </a:p>
-            </p:txBody>
-          </p:sp>
-        </mc:Fallback>
-      </mc:AlternateContent>
-      <mc:AlternateContent xmlns:mc="http://schemas.openxmlformats.org/markup-compatibility/2006" xmlns:a14="http://schemas.microsoft.com/office/drawing/2010/main">
-        <mc:Choice Requires="a14">
-          <p:sp>
-            <p:nvSpPr>
-              <p:cNvPr id="39" name="テキスト ボックス 38">
-                <a:extLst>
-                  <a:ext uri="{FF2B5EF4-FFF2-40B4-BE49-F238E27FC236}">
-                    <a16:creationId xmlns:a16="http://schemas.microsoft.com/office/drawing/2014/main" id="{DC2F13E9-13C9-11DB-D3E7-E4FF230FFFFF}"/>
-                  </a:ext>
-                </a:extLst>
-              </p:cNvPr>
-              <p:cNvSpPr txBox="1"/>
-              <p:nvPr/>
-            </p:nvSpPr>
-            <p:spPr>
-              <a:xfrm>
-                <a:off x="2528877" y="2782281"/>
-                <a:ext cx="568425" cy="369332"/>
-              </a:xfrm>
-              <a:prstGeom prst="rect">
-                <a:avLst/>
-              </a:prstGeom>
-              <a:noFill/>
-            </p:spPr>
-            <p:txBody>
-              <a:bodyPr wrap="none" rtlCol="0">
-                <a:spAutoFit/>
-              </a:bodyPr>
-              <a:lstStyle/>
-              <a:p>
-                <a:pPr/>
-                <a14:m>
-                  <m:oMathPara xmlns:m="http://schemas.openxmlformats.org/officeDocument/2006/math">
-                    <m:oMathParaPr>
-                      <m:jc m:val="centerGroup"/>
-                    </m:oMathParaPr>
-                    <m:oMath xmlns:m="http://schemas.openxmlformats.org/officeDocument/2006/math">
-                      <m:sSub>
-                        <m:sSubPr>
-                          <m:ctrlPr>
-                            <a:rPr kumimoji="1" lang="en-US" altLang="ja-JP" i="1">
-                              <a:latin typeface="Cambria Math" panose="02040503050406030204" pitchFamily="18" charset="0"/>
-                            </a:rPr>
-                          </m:ctrlPr>
-                        </m:sSubPr>
-                        <m:e>
-                          <m:r>
-                            <a:rPr kumimoji="1" lang="en-US" altLang="ja-JP" b="0" i="1">
-                              <a:latin typeface="Cambria Math" panose="02040503050406030204" pitchFamily="18" charset="0"/>
-                            </a:rPr>
-                            <m:t>𝑝</m:t>
-                          </m:r>
-                        </m:e>
-                        <m:sub>
-                          <m:r>
-                            <a:rPr kumimoji="1" lang="en-US" altLang="ja-JP" b="0" i="1">
-                              <a:latin typeface="Cambria Math" panose="02040503050406030204" pitchFamily="18" charset="0"/>
-                            </a:rPr>
-                            <m:t>21</m:t>
-                          </m:r>
-                        </m:sub>
-                      </m:sSub>
-                    </m:oMath>
-                  </m:oMathPara>
-                </a14:m>
-                <a:endParaRPr kumimoji="1" lang="ja-JP" altLang="en-US"/>
-              </a:p>
-            </p:txBody>
-          </p:sp>
-        </mc:Choice>
-        <mc:Fallback xmlns="">
-          <p:sp>
-            <p:nvSpPr>
-              <p:cNvPr id="39" name="テキスト ボックス 38">
-                <a:extLst>
-                  <a:ext uri="{FF2B5EF4-FFF2-40B4-BE49-F238E27FC236}">
-                    <a16:creationId xmlns:a16="http://schemas.microsoft.com/office/drawing/2014/main" id="{DC2F13E9-13C9-11DB-D3E7-E4FF230FFFFF}"/>
-                  </a:ext>
-                </a:extLst>
-              </p:cNvPr>
-              <p:cNvSpPr txBox="1">
-                <a:spLocks noRot="1" noChangeAspect="1" noMove="1" noResize="1" noEditPoints="1" noAdjustHandles="1" noChangeArrowheads="1" noChangeShapeType="1" noTextEdit="1"/>
-              </p:cNvSpPr>
-              <p:nvPr/>
-            </p:nvSpPr>
-            <p:spPr>
-              <a:xfrm>
-                <a:off x="2528877" y="2782281"/>
-                <a:ext cx="568425" cy="369332"/>
-              </a:xfrm>
-              <a:prstGeom prst="rect">
-                <a:avLst/>
-              </a:prstGeom>
-              <a:blipFill>
-                <a:blip r:embed="rId5"/>
-                <a:stretch>
-                  <a:fillRect b="-3226"/>
-                </a:stretch>
-              </a:blipFill>
-            </p:spPr>
-            <p:txBody>
-              <a:bodyPr/>
-              <a:lstStyle/>
-              <a:p>
-                <a:r>
-                  <a:rPr lang="ja-JP" altLang="en-US">
-                    <a:noFill/>
-                  </a:rPr>
-                  <a:t> </a:t>
-                </a:r>
-              </a:p>
-            </p:txBody>
-          </p:sp>
-        </mc:Fallback>
-      </mc:AlternateContent>
-      <mc:AlternateContent xmlns:mc="http://schemas.openxmlformats.org/markup-compatibility/2006" xmlns:a14="http://schemas.microsoft.com/office/drawing/2010/main">
-        <mc:Choice Requires="a14">
-          <p:sp>
-            <p:nvSpPr>
-              <p:cNvPr id="40" name="テキスト ボックス 39">
-                <a:extLst>
-                  <a:ext uri="{FF2B5EF4-FFF2-40B4-BE49-F238E27FC236}">
-                    <a16:creationId xmlns:a16="http://schemas.microsoft.com/office/drawing/2014/main" id="{67190088-B164-608B-B60F-A8C89992C1BE}"/>
-                  </a:ext>
-                </a:extLst>
-              </p:cNvPr>
-              <p:cNvSpPr txBox="1"/>
-              <p:nvPr/>
-            </p:nvSpPr>
-            <p:spPr>
-              <a:xfrm>
-                <a:off x="2540577" y="2194561"/>
-                <a:ext cx="563103" cy="369332"/>
-              </a:xfrm>
-              <a:prstGeom prst="rect">
-                <a:avLst/>
-              </a:prstGeom>
-              <a:noFill/>
-            </p:spPr>
-            <p:txBody>
-              <a:bodyPr wrap="none" rtlCol="0">
-                <a:spAutoFit/>
-              </a:bodyPr>
-              <a:lstStyle/>
-              <a:p>
-                <a:pPr/>
-                <a14:m>
-                  <m:oMathPara xmlns:m="http://schemas.openxmlformats.org/officeDocument/2006/math">
-                    <m:oMathParaPr>
-                      <m:jc m:val="centerGroup"/>
-                    </m:oMathParaPr>
-                    <m:oMath xmlns:m="http://schemas.openxmlformats.org/officeDocument/2006/math">
-                      <m:sSub>
-                        <m:sSubPr>
-                          <m:ctrlPr>
-                            <a:rPr kumimoji="1" lang="en-US" altLang="ja-JP" i="1">
-                              <a:latin typeface="Cambria Math" panose="02040503050406030204" pitchFamily="18" charset="0"/>
-                            </a:rPr>
-                          </m:ctrlPr>
-                        </m:sSubPr>
-                        <m:e>
-                          <m:r>
-                            <a:rPr kumimoji="1" lang="en-US" altLang="ja-JP" b="0" i="1">
-                              <a:latin typeface="Cambria Math" panose="02040503050406030204" pitchFamily="18" charset="0"/>
-                            </a:rPr>
-                            <m:t>𝑝</m:t>
-                          </m:r>
-                        </m:e>
-                        <m:sub>
-                          <m:r>
-                            <a:rPr kumimoji="1" lang="en-US" altLang="ja-JP" b="0" i="1">
-                              <a:latin typeface="Cambria Math" panose="02040503050406030204" pitchFamily="18" charset="0"/>
-                            </a:rPr>
-                            <m:t>12</m:t>
-                          </m:r>
-                        </m:sub>
-                      </m:sSub>
-                    </m:oMath>
-                  </m:oMathPara>
-                </a14:m>
-                <a:endParaRPr kumimoji="1" lang="ja-JP" altLang="en-US"/>
-              </a:p>
-            </p:txBody>
-          </p:sp>
-        </mc:Choice>
-        <mc:Fallback xmlns="">
-          <p:sp>
-            <p:nvSpPr>
-              <p:cNvPr id="40" name="テキスト ボックス 39">
-                <a:extLst>
-                  <a:ext uri="{FF2B5EF4-FFF2-40B4-BE49-F238E27FC236}">
-                    <a16:creationId xmlns:a16="http://schemas.microsoft.com/office/drawing/2014/main" id="{67190088-B164-608B-B60F-A8C89992C1BE}"/>
-                  </a:ext>
-                </a:extLst>
-              </p:cNvPr>
-              <p:cNvSpPr txBox="1">
-                <a:spLocks noRot="1" noChangeAspect="1" noMove="1" noResize="1" noEditPoints="1" noAdjustHandles="1" noChangeArrowheads="1" noChangeShapeType="1" noTextEdit="1"/>
-              </p:cNvSpPr>
-              <p:nvPr/>
-            </p:nvSpPr>
-            <p:spPr>
-              <a:xfrm>
-                <a:off x="2540577" y="2194561"/>
-                <a:ext cx="563103" cy="369332"/>
-              </a:xfrm>
-              <a:prstGeom prst="rect">
-                <a:avLst/>
-              </a:prstGeom>
-              <a:blipFill>
-                <a:blip r:embed="rId6"/>
-                <a:stretch>
-                  <a:fillRect b="-3226"/>
-                </a:stretch>
-              </a:blipFill>
-            </p:spPr>
-            <p:txBody>
-              <a:bodyPr/>
-              <a:lstStyle/>
-              <a:p>
-                <a:r>
-                  <a:rPr lang="ja-JP" altLang="en-US">
-                    <a:noFill/>
-                  </a:rPr>
-                  <a:t> </a:t>
-                </a:r>
-              </a:p>
-            </p:txBody>
-          </p:sp>
-        </mc:Fallback>
-      </mc:AlternateContent>
-      <mc:AlternateContent xmlns:mc="http://schemas.openxmlformats.org/markup-compatibility/2006" xmlns:a14="http://schemas.microsoft.com/office/drawing/2010/main">
-        <mc:Choice Requires="a14">
-          <p:sp>
-            <p:nvSpPr>
-              <p:cNvPr id="41" name="テキスト ボックス 40">
-                <a:extLst>
-                  <a:ext uri="{FF2B5EF4-FFF2-40B4-BE49-F238E27FC236}">
-                    <a16:creationId xmlns:a16="http://schemas.microsoft.com/office/drawing/2014/main" id="{018140EE-72D4-412F-B75A-7076F9055AB3}"/>
-                  </a:ext>
-                </a:extLst>
-              </p:cNvPr>
-              <p:cNvSpPr txBox="1"/>
-              <p:nvPr/>
-            </p:nvSpPr>
-            <p:spPr>
-              <a:xfrm>
-                <a:off x="2134924" y="1656344"/>
-                <a:ext cx="563103" cy="369332"/>
-              </a:xfrm>
-              <a:prstGeom prst="rect">
-                <a:avLst/>
-              </a:prstGeom>
-              <a:noFill/>
-            </p:spPr>
-            <p:txBody>
-              <a:bodyPr wrap="none" rtlCol="0">
-                <a:spAutoFit/>
-              </a:bodyPr>
-              <a:lstStyle/>
-              <a:p>
-                <a:pPr/>
-                <a14:m>
-                  <m:oMathPara xmlns:m="http://schemas.openxmlformats.org/officeDocument/2006/math">
-                    <m:oMathParaPr>
-                      <m:jc m:val="centerGroup"/>
-                    </m:oMathParaPr>
-                    <m:oMath xmlns:m="http://schemas.openxmlformats.org/officeDocument/2006/math">
-                      <m:sSub>
-                        <m:sSubPr>
-                          <m:ctrlPr>
-                            <a:rPr kumimoji="1" lang="en-US" altLang="ja-JP" i="1">
-                              <a:latin typeface="Cambria Math" panose="02040503050406030204" pitchFamily="18" charset="0"/>
-                            </a:rPr>
-                          </m:ctrlPr>
-                        </m:sSubPr>
-                        <m:e>
-                          <m:r>
-                            <a:rPr kumimoji="1" lang="en-US" altLang="ja-JP" b="0" i="1">
-                              <a:latin typeface="Cambria Math" panose="02040503050406030204" pitchFamily="18" charset="0"/>
-                            </a:rPr>
-                            <m:t>𝑝</m:t>
-                          </m:r>
-                        </m:e>
-                        <m:sub>
-                          <m:r>
-                            <a:rPr kumimoji="1" lang="en-US" altLang="ja-JP" b="0" i="1">
-                              <a:latin typeface="Cambria Math" panose="02040503050406030204" pitchFamily="18" charset="0"/>
-                            </a:rPr>
-                            <m:t>10</m:t>
-                          </m:r>
-                        </m:sub>
-                      </m:sSub>
-                    </m:oMath>
-                  </m:oMathPara>
-                </a14:m>
-                <a:endParaRPr kumimoji="1" lang="ja-JP" altLang="en-US"/>
-              </a:p>
-            </p:txBody>
-          </p:sp>
-        </mc:Choice>
-        <mc:Fallback xmlns="">
-          <p:sp>
-            <p:nvSpPr>
-              <p:cNvPr id="41" name="テキスト ボックス 40">
-                <a:extLst>
-                  <a:ext uri="{FF2B5EF4-FFF2-40B4-BE49-F238E27FC236}">
-                    <a16:creationId xmlns:a16="http://schemas.microsoft.com/office/drawing/2014/main" id="{018140EE-72D4-412F-B75A-7076F9055AB3}"/>
-                  </a:ext>
-                </a:extLst>
-              </p:cNvPr>
-              <p:cNvSpPr txBox="1">
-                <a:spLocks noRot="1" noChangeAspect="1" noMove="1" noResize="1" noEditPoints="1" noAdjustHandles="1" noChangeArrowheads="1" noChangeShapeType="1" noTextEdit="1"/>
-              </p:cNvSpPr>
-              <p:nvPr/>
-            </p:nvSpPr>
-            <p:spPr>
-              <a:xfrm>
-                <a:off x="2134924" y="1656344"/>
-                <a:ext cx="563103" cy="369332"/>
-              </a:xfrm>
-              <a:prstGeom prst="rect">
-                <a:avLst/>
-              </a:prstGeom>
-              <a:blipFill>
-                <a:blip r:embed="rId7"/>
-                <a:stretch>
-                  <a:fillRect b="-3333"/>
-                </a:stretch>
-              </a:blipFill>
-            </p:spPr>
-            <p:txBody>
-              <a:bodyPr/>
-              <a:lstStyle/>
-              <a:p>
-                <a:r>
-                  <a:rPr lang="ja-JP" altLang="en-US">
-                    <a:noFill/>
-                  </a:rPr>
-                  <a:t> </a:t>
-                </a:r>
-              </a:p>
-            </p:txBody>
-          </p:sp>
-        </mc:Fallback>
-      </mc:AlternateContent>
-      <mc:AlternateContent xmlns:mc="http://schemas.openxmlformats.org/markup-compatibility/2006" xmlns:a14="http://schemas.microsoft.com/office/drawing/2010/main">
-        <mc:Choice Requires="a14">
-          <p:sp>
-            <p:nvSpPr>
-              <p:cNvPr id="42" name="テキスト ボックス 41">
-                <a:extLst>
-                  <a:ext uri="{FF2B5EF4-FFF2-40B4-BE49-F238E27FC236}">
-                    <a16:creationId xmlns:a16="http://schemas.microsoft.com/office/drawing/2014/main" id="{B7CEF819-E633-5E25-C8DA-050935233AEF}"/>
-                  </a:ext>
-                </a:extLst>
-              </p:cNvPr>
-              <p:cNvSpPr txBox="1"/>
-              <p:nvPr/>
-            </p:nvSpPr>
-            <p:spPr>
-              <a:xfrm>
-                <a:off x="1571821" y="1207593"/>
-                <a:ext cx="568425" cy="369332"/>
-              </a:xfrm>
-              <a:prstGeom prst="rect">
-                <a:avLst/>
-              </a:prstGeom>
-              <a:noFill/>
-            </p:spPr>
-            <p:txBody>
-              <a:bodyPr wrap="none" rtlCol="0">
-                <a:spAutoFit/>
-              </a:bodyPr>
-              <a:lstStyle/>
-              <a:p>
-                <a:pPr/>
-                <a14:m>
-                  <m:oMathPara xmlns:m="http://schemas.openxmlformats.org/officeDocument/2006/math">
-                    <m:oMathParaPr>
-                      <m:jc m:val="centerGroup"/>
-                    </m:oMathParaPr>
-                    <m:oMath xmlns:m="http://schemas.openxmlformats.org/officeDocument/2006/math">
-                      <m:sSub>
-                        <m:sSubPr>
-                          <m:ctrlPr>
-                            <a:rPr kumimoji="1" lang="en-US" altLang="ja-JP" i="1">
-                              <a:latin typeface="Cambria Math" panose="02040503050406030204" pitchFamily="18" charset="0"/>
-                            </a:rPr>
-                          </m:ctrlPr>
-                        </m:sSubPr>
-                        <m:e>
-                          <m:r>
-                            <a:rPr kumimoji="1" lang="en-US" altLang="ja-JP" b="0" i="1">
-                              <a:latin typeface="Cambria Math" panose="02040503050406030204" pitchFamily="18" charset="0"/>
-                            </a:rPr>
-                            <m:t>𝑝</m:t>
-                          </m:r>
-                        </m:e>
-                        <m:sub>
-                          <m:r>
-                            <a:rPr kumimoji="1" lang="en-US" altLang="ja-JP" b="0" i="1">
-                              <a:latin typeface="Cambria Math" panose="02040503050406030204" pitchFamily="18" charset="0"/>
-                            </a:rPr>
-                            <m:t>01</m:t>
-                          </m:r>
-                        </m:sub>
-                      </m:sSub>
-                    </m:oMath>
-                  </m:oMathPara>
-                </a14:m>
-                <a:endParaRPr kumimoji="1" lang="ja-JP" altLang="en-US"/>
-              </a:p>
-            </p:txBody>
-          </p:sp>
-        </mc:Choice>
-        <mc:Fallback xmlns="">
-          <p:sp>
-            <p:nvSpPr>
-              <p:cNvPr id="42" name="テキスト ボックス 41">
-                <a:extLst>
-                  <a:ext uri="{FF2B5EF4-FFF2-40B4-BE49-F238E27FC236}">
-                    <a16:creationId xmlns:a16="http://schemas.microsoft.com/office/drawing/2014/main" id="{B7CEF819-E633-5E25-C8DA-050935233AEF}"/>
-                  </a:ext>
-                </a:extLst>
-              </p:cNvPr>
-              <p:cNvSpPr txBox="1">
-                <a:spLocks noRot="1" noChangeAspect="1" noMove="1" noResize="1" noEditPoints="1" noAdjustHandles="1" noChangeArrowheads="1" noChangeShapeType="1" noTextEdit="1"/>
-              </p:cNvSpPr>
-              <p:nvPr/>
-            </p:nvSpPr>
-            <p:spPr>
-              <a:xfrm>
-                <a:off x="1571821" y="1207593"/>
-                <a:ext cx="568425" cy="369332"/>
-              </a:xfrm>
-              <a:prstGeom prst="rect">
-                <a:avLst/>
-              </a:prstGeom>
-              <a:blipFill>
-                <a:blip r:embed="rId8"/>
-                <a:stretch>
-                  <a:fillRect b="-3333"/>
-                </a:stretch>
-              </a:blipFill>
-            </p:spPr>
-            <p:txBody>
-              <a:bodyPr/>
-              <a:lstStyle/>
-              <a:p>
-                <a:r>
-                  <a:rPr lang="ja-JP" altLang="en-US">
-                    <a:noFill/>
-                  </a:rPr>
-                  <a:t> </a:t>
-                </a:r>
-              </a:p>
-            </p:txBody>
-          </p:sp>
-        </mc:Fallback>
-      </mc:AlternateContent>
-      <mc:AlternateContent xmlns:mc="http://schemas.openxmlformats.org/markup-compatibility/2006" xmlns:a14="http://schemas.microsoft.com/office/drawing/2010/main">
-        <mc:Choice Requires="a14">
-          <p:sp>
-            <p:nvSpPr>
-              <p:cNvPr id="43" name="テキスト ボックス 42">
-                <a:extLst>
-                  <a:ext uri="{FF2B5EF4-FFF2-40B4-BE49-F238E27FC236}">
-                    <a16:creationId xmlns:a16="http://schemas.microsoft.com/office/drawing/2014/main" id="{B16770D4-5B0B-2F3B-6284-EB28CBCCC881}"/>
-                  </a:ext>
-                </a:extLst>
-              </p:cNvPr>
-              <p:cNvSpPr txBox="1"/>
-              <p:nvPr/>
-            </p:nvSpPr>
-            <p:spPr>
-              <a:xfrm>
-                <a:off x="2955874" y="1631395"/>
-                <a:ext cx="568425" cy="369332"/>
-              </a:xfrm>
-              <a:prstGeom prst="rect">
-                <a:avLst/>
-              </a:prstGeom>
-              <a:noFill/>
-            </p:spPr>
-            <p:txBody>
-              <a:bodyPr wrap="none" rtlCol="0">
-                <a:spAutoFit/>
-              </a:bodyPr>
-              <a:lstStyle/>
-              <a:p>
-                <a:pPr/>
-                <a14:m>
-                  <m:oMathPara xmlns:m="http://schemas.openxmlformats.org/officeDocument/2006/math">
-                    <m:oMathParaPr>
-                      <m:jc m:val="centerGroup"/>
-                    </m:oMathParaPr>
-                    <m:oMath xmlns:m="http://schemas.openxmlformats.org/officeDocument/2006/math">
-                      <m:sSub>
-                        <m:sSubPr>
-                          <m:ctrlPr>
-                            <a:rPr kumimoji="1" lang="en-US" altLang="ja-JP" i="1">
-                              <a:latin typeface="Cambria Math" panose="02040503050406030204" pitchFamily="18" charset="0"/>
-                            </a:rPr>
-                          </m:ctrlPr>
-                        </m:sSubPr>
-                        <m:e>
-                          <m:r>
-                            <a:rPr kumimoji="1" lang="en-US" altLang="ja-JP" b="0" i="1">
-                              <a:latin typeface="Cambria Math" panose="02040503050406030204" pitchFamily="18" charset="0"/>
-                            </a:rPr>
-                            <m:t>𝑝</m:t>
-                          </m:r>
-                        </m:e>
-                        <m:sub>
-                          <m:r>
-                            <a:rPr kumimoji="1" lang="en-US" altLang="ja-JP" b="0" i="1">
-                              <a:latin typeface="Cambria Math" panose="02040503050406030204" pitchFamily="18" charset="0"/>
-                            </a:rPr>
-                            <m:t>20</m:t>
-                          </m:r>
-                        </m:sub>
-                      </m:sSub>
-                    </m:oMath>
-                  </m:oMathPara>
-                </a14:m>
-                <a:endParaRPr kumimoji="1" lang="ja-JP" altLang="en-US"/>
-              </a:p>
-            </p:txBody>
-          </p:sp>
-        </mc:Choice>
-        <mc:Fallback xmlns="">
-          <p:sp>
-            <p:nvSpPr>
-              <p:cNvPr id="43" name="テキスト ボックス 42">
-                <a:extLst>
-                  <a:ext uri="{FF2B5EF4-FFF2-40B4-BE49-F238E27FC236}">
-                    <a16:creationId xmlns:a16="http://schemas.microsoft.com/office/drawing/2014/main" id="{B16770D4-5B0B-2F3B-6284-EB28CBCCC881}"/>
-                  </a:ext>
-                </a:extLst>
-              </p:cNvPr>
-              <p:cNvSpPr txBox="1">
-                <a:spLocks noRot="1" noChangeAspect="1" noMove="1" noResize="1" noEditPoints="1" noAdjustHandles="1" noChangeArrowheads="1" noChangeShapeType="1" noTextEdit="1"/>
-              </p:cNvSpPr>
-              <p:nvPr/>
-            </p:nvSpPr>
-            <p:spPr>
-              <a:xfrm>
-                <a:off x="2955874" y="1631395"/>
-                <a:ext cx="568425" cy="369332"/>
-              </a:xfrm>
-              <a:prstGeom prst="rect">
-                <a:avLst/>
-              </a:prstGeom>
-              <a:blipFill>
-                <a:blip r:embed="rId9"/>
-                <a:stretch>
-                  <a:fillRect b="-3333"/>
-                </a:stretch>
-              </a:blipFill>
-            </p:spPr>
-            <p:txBody>
-              <a:bodyPr/>
-              <a:lstStyle/>
-              <a:p>
-                <a:r>
-                  <a:rPr lang="ja-JP" altLang="en-US">
-                    <a:noFill/>
-                  </a:rPr>
-                  <a:t> </a:t>
-                </a:r>
-              </a:p>
-            </p:txBody>
-          </p:sp>
-        </mc:Fallback>
-      </mc:AlternateContent>
-      <mc:AlternateContent xmlns:mc="http://schemas.openxmlformats.org/markup-compatibility/2006" xmlns:a14="http://schemas.microsoft.com/office/drawing/2010/main">
-        <mc:Choice Requires="a14">
-          <p:sp>
-            <p:nvSpPr>
-              <p:cNvPr id="44" name="テキスト ボックス 43">
-                <a:extLst>
-                  <a:ext uri="{FF2B5EF4-FFF2-40B4-BE49-F238E27FC236}">
-                    <a16:creationId xmlns:a16="http://schemas.microsoft.com/office/drawing/2014/main" id="{C365D47E-07DD-A59E-02B7-5B0E2EFF45AF}"/>
-                  </a:ext>
-                </a:extLst>
-              </p:cNvPr>
-              <p:cNvSpPr txBox="1"/>
-              <p:nvPr/>
-            </p:nvSpPr>
-            <p:spPr>
-              <a:xfrm>
-                <a:off x="3561946" y="1274525"/>
-                <a:ext cx="568425" cy="369332"/>
-              </a:xfrm>
-              <a:prstGeom prst="rect">
-                <a:avLst/>
-              </a:prstGeom>
-              <a:noFill/>
-            </p:spPr>
-            <p:txBody>
-              <a:bodyPr wrap="none" rtlCol="0">
-                <a:spAutoFit/>
-              </a:bodyPr>
-              <a:lstStyle/>
-              <a:p>
-                <a:pPr/>
-                <a14:m>
-                  <m:oMathPara xmlns:m="http://schemas.openxmlformats.org/officeDocument/2006/math">
-                    <m:oMathParaPr>
-                      <m:jc m:val="centerGroup"/>
-                    </m:oMathParaPr>
-                    <m:oMath xmlns:m="http://schemas.openxmlformats.org/officeDocument/2006/math">
-                      <m:sSub>
-                        <m:sSubPr>
-                          <m:ctrlPr>
-                            <a:rPr kumimoji="1" lang="en-US" altLang="ja-JP" i="1">
-                              <a:latin typeface="Cambria Math" panose="02040503050406030204" pitchFamily="18" charset="0"/>
-                            </a:rPr>
-                          </m:ctrlPr>
-                        </m:sSubPr>
-                        <m:e>
-                          <m:r>
-                            <a:rPr kumimoji="1" lang="en-US" altLang="ja-JP" b="0" i="1">
-                              <a:latin typeface="Cambria Math" panose="02040503050406030204" pitchFamily="18" charset="0"/>
-                            </a:rPr>
-                            <m:t>𝑝</m:t>
-                          </m:r>
-                        </m:e>
-                        <m:sub>
-                          <m:r>
-                            <a:rPr kumimoji="1" lang="en-US" altLang="ja-JP" b="0" i="1">
-                              <a:latin typeface="Cambria Math" panose="02040503050406030204" pitchFamily="18" charset="0"/>
-                            </a:rPr>
-                            <m:t>02</m:t>
-                          </m:r>
-                        </m:sub>
-                      </m:sSub>
-                    </m:oMath>
-                  </m:oMathPara>
-                </a14:m>
-                <a:endParaRPr kumimoji="1" lang="ja-JP" altLang="en-US"/>
-              </a:p>
-            </p:txBody>
-          </p:sp>
-        </mc:Choice>
-        <mc:Fallback xmlns="">
-          <p:sp>
-            <p:nvSpPr>
-              <p:cNvPr id="44" name="テキスト ボックス 43">
-                <a:extLst>
-                  <a:ext uri="{FF2B5EF4-FFF2-40B4-BE49-F238E27FC236}">
-                    <a16:creationId xmlns:a16="http://schemas.microsoft.com/office/drawing/2014/main" id="{C365D47E-07DD-A59E-02B7-5B0E2EFF45AF}"/>
-                  </a:ext>
-                </a:extLst>
-              </p:cNvPr>
-              <p:cNvSpPr txBox="1">
-                <a:spLocks noRot="1" noChangeAspect="1" noMove="1" noResize="1" noEditPoints="1" noAdjustHandles="1" noChangeArrowheads="1" noChangeShapeType="1" noTextEdit="1"/>
-              </p:cNvSpPr>
-              <p:nvPr/>
-            </p:nvSpPr>
-            <p:spPr>
-              <a:xfrm>
-                <a:off x="3561946" y="1274525"/>
-                <a:ext cx="568425" cy="369332"/>
-              </a:xfrm>
-              <a:prstGeom prst="rect">
-                <a:avLst/>
-              </a:prstGeom>
-              <a:blipFill>
-                <a:blip r:embed="rId10"/>
-                <a:stretch>
-                  <a:fillRect b="-3333"/>
-                </a:stretch>
-              </a:blipFill>
-            </p:spPr>
-            <p:txBody>
-              <a:bodyPr/>
-              <a:lstStyle/>
-              <a:p>
-                <a:r>
-                  <a:rPr lang="ja-JP" altLang="en-US">
-                    <a:noFill/>
-                  </a:rPr>
-                  <a:t> </a:t>
-                </a:r>
-              </a:p>
-            </p:txBody>
-          </p:sp>
-        </mc:Fallback>
-      </mc:AlternateContent>
+      <p:sp>
+        <p:nvSpPr>
+          <p:cNvPr id="36" name="テキスト ボックス 35">
+            <a:extLst>
+              <a:ext uri="{FF2B5EF4-FFF2-40B4-BE49-F238E27FC236}">
+                <a16:creationId xmlns:a16="http://schemas.microsoft.com/office/drawing/2014/main" id="{EA64B29B-7339-E537-B657-F99F68D278F3}"/>
+              </a:ext>
+            </a:extLst>
+          </p:cNvPr>
+          <p:cNvSpPr txBox="1"/>
+          <p:nvPr/>
+        </p:nvSpPr>
+        <p:spPr>
+          <a:xfrm>
+            <a:off x="522979" y="2966947"/>
+            <a:ext cx="551754" cy="369332"/>
+          </a:xfrm>
+          <a:prstGeom prst="rect">
+            <a:avLst/>
+          </a:prstGeom>
+          <a:noFill/>
+        </p:spPr>
+        <p:txBody>
+          <a:bodyPr wrap="none" rtlCol="0">
+            <a:spAutoFit/>
+          </a:bodyPr>
+          <a:lstStyle/>
+          <a:p>
+            <a:pPr/>
+            <a:r>
+              <a:rPr kumimoji="1" lang="en-US" altLang="ja-JP"/>
+              <a:t>0.7</a:t>
+            </a:r>
+            <a:endParaRPr kumimoji="1" lang="ja-JP" altLang="en-US"/>
+          </a:p>
+        </p:txBody>
+      </p:sp>
+      <p:sp>
+        <p:nvSpPr>
+          <p:cNvPr id="37" name="テキスト ボックス 36">
+            <a:extLst>
+              <a:ext uri="{FF2B5EF4-FFF2-40B4-BE49-F238E27FC236}">
+                <a16:creationId xmlns:a16="http://schemas.microsoft.com/office/drawing/2014/main" id="{A5509571-DDBE-779D-2296-F214E68B3B17}"/>
+              </a:ext>
+            </a:extLst>
+          </p:cNvPr>
+          <p:cNvSpPr txBox="1"/>
+          <p:nvPr/>
+        </p:nvSpPr>
+        <p:spPr>
+          <a:xfrm>
+            <a:off x="2011598" y="230758"/>
+            <a:ext cx="551754" cy="369332"/>
+          </a:xfrm>
+          <a:prstGeom prst="rect">
+            <a:avLst/>
+          </a:prstGeom>
+          <a:noFill/>
+        </p:spPr>
+        <p:txBody>
+          <a:bodyPr wrap="none" rtlCol="0">
+            <a:spAutoFit/>
+          </a:bodyPr>
+          <a:lstStyle/>
+          <a:p>
+            <a:pPr/>
+            <a:r>
+              <a:rPr kumimoji="1" lang="en-US" altLang="ja-JP"/>
+              <a:t>0.1</a:t>
+            </a:r>
+            <a:endParaRPr kumimoji="1" lang="ja-JP" altLang="en-US"/>
+          </a:p>
+        </p:txBody>
+      </p:sp>
+      <p:sp>
+        <p:nvSpPr>
+          <p:cNvPr id="38" name="テキスト ボックス 37">
+            <a:extLst>
+              <a:ext uri="{FF2B5EF4-FFF2-40B4-BE49-F238E27FC236}">
+                <a16:creationId xmlns:a16="http://schemas.microsoft.com/office/drawing/2014/main" id="{4EE278EC-7734-8F5F-B5E2-6B8277B95B18}"/>
+              </a:ext>
+            </a:extLst>
+          </p:cNvPr>
+          <p:cNvSpPr txBox="1"/>
+          <p:nvPr/>
+        </p:nvSpPr>
+        <p:spPr>
+          <a:xfrm>
+            <a:off x="4575518" y="2103390"/>
+            <a:ext cx="551754" cy="369332"/>
+          </a:xfrm>
+          <a:prstGeom prst="rect">
+            <a:avLst/>
+          </a:prstGeom>
+          <a:noFill/>
+        </p:spPr>
+        <p:txBody>
+          <a:bodyPr wrap="none" rtlCol="0">
+            <a:spAutoFit/>
+          </a:bodyPr>
+          <a:lstStyle/>
+          <a:p>
+            <a:pPr/>
+            <a:r>
+              <a:rPr kumimoji="1" lang="en-US" altLang="ja-JP"/>
+              <a:t>0.5</a:t>
+            </a:r>
+            <a:endParaRPr kumimoji="1" lang="ja-JP" altLang="en-US"/>
+          </a:p>
+        </p:txBody>
+      </p:sp>
+      <p:sp>
+        <p:nvSpPr>
+          <p:cNvPr id="39" name="テキスト ボックス 38">
+            <a:extLst>
+              <a:ext uri="{FF2B5EF4-FFF2-40B4-BE49-F238E27FC236}">
+                <a16:creationId xmlns:a16="http://schemas.microsoft.com/office/drawing/2014/main" id="{DC2F13E9-13C9-11DB-D3E7-E4FF230FFFFF}"/>
+              </a:ext>
+            </a:extLst>
+          </p:cNvPr>
+          <p:cNvSpPr txBox="1"/>
+          <p:nvPr/>
+        </p:nvSpPr>
+        <p:spPr>
+          <a:xfrm>
+            <a:off x="2540577" y="2879319"/>
+            <a:ext cx="551754" cy="369332"/>
+          </a:xfrm>
+          <a:prstGeom prst="rect">
+            <a:avLst/>
+          </a:prstGeom>
+          <a:noFill/>
+        </p:spPr>
+        <p:txBody>
+          <a:bodyPr wrap="none" rtlCol="0">
+            <a:spAutoFit/>
+          </a:bodyPr>
+          <a:lstStyle/>
+          <a:p>
+            <a:pPr/>
+            <a:r>
+              <a:rPr kumimoji="1" lang="en-US" altLang="ja-JP"/>
+              <a:t>0.2</a:t>
+            </a:r>
+            <a:endParaRPr kumimoji="1" lang="ja-JP" altLang="en-US"/>
+          </a:p>
+        </p:txBody>
+      </p:sp>
+      <p:sp>
+        <p:nvSpPr>
+          <p:cNvPr id="40" name="テキスト ボックス 39">
+            <a:extLst>
+              <a:ext uri="{FF2B5EF4-FFF2-40B4-BE49-F238E27FC236}">
+                <a16:creationId xmlns:a16="http://schemas.microsoft.com/office/drawing/2014/main" id="{67190088-B164-608B-B60F-A8C89992C1BE}"/>
+              </a:ext>
+            </a:extLst>
+          </p:cNvPr>
+          <p:cNvSpPr txBox="1"/>
+          <p:nvPr/>
+        </p:nvSpPr>
+        <p:spPr>
+          <a:xfrm>
+            <a:off x="2540577" y="2194561"/>
+            <a:ext cx="551754" cy="369332"/>
+          </a:xfrm>
+          <a:prstGeom prst="rect">
+            <a:avLst/>
+          </a:prstGeom>
+          <a:noFill/>
+        </p:spPr>
+        <p:txBody>
+          <a:bodyPr wrap="none" rtlCol="0">
+            <a:spAutoFit/>
+          </a:bodyPr>
+          <a:lstStyle/>
+          <a:p>
+            <a:pPr/>
+            <a:r>
+              <a:rPr kumimoji="1" lang="en-US" altLang="ja-JP"/>
+              <a:t>0.1</a:t>
+            </a:r>
+            <a:endParaRPr kumimoji="1" lang="ja-JP" altLang="en-US"/>
+          </a:p>
+        </p:txBody>
+      </p:sp>
+      <p:sp>
+        <p:nvSpPr>
+          <p:cNvPr id="41" name="テキスト ボックス 40">
+            <a:extLst>
+              <a:ext uri="{FF2B5EF4-FFF2-40B4-BE49-F238E27FC236}">
+                <a16:creationId xmlns:a16="http://schemas.microsoft.com/office/drawing/2014/main" id="{018140EE-72D4-412F-B75A-7076F9055AB3}"/>
+              </a:ext>
+            </a:extLst>
+          </p:cNvPr>
+          <p:cNvSpPr txBox="1"/>
+          <p:nvPr/>
+        </p:nvSpPr>
+        <p:spPr>
+          <a:xfrm>
+            <a:off x="2168268" y="1734058"/>
+            <a:ext cx="551754" cy="369332"/>
+          </a:xfrm>
+          <a:prstGeom prst="rect">
+            <a:avLst/>
+          </a:prstGeom>
+          <a:noFill/>
+        </p:spPr>
+        <p:txBody>
+          <a:bodyPr wrap="none" rtlCol="0">
+            <a:spAutoFit/>
+          </a:bodyPr>
+          <a:lstStyle/>
+          <a:p>
+            <a:pPr/>
+            <a:r>
+              <a:rPr kumimoji="1" lang="en-US" altLang="ja-JP"/>
+              <a:t>0.2</a:t>
+            </a:r>
+            <a:endParaRPr kumimoji="1" lang="ja-JP" altLang="en-US"/>
+          </a:p>
+        </p:txBody>
+      </p:sp>
+      <p:sp>
+        <p:nvSpPr>
+          <p:cNvPr id="42" name="テキスト ボックス 41">
+            <a:extLst>
+              <a:ext uri="{FF2B5EF4-FFF2-40B4-BE49-F238E27FC236}">
+                <a16:creationId xmlns:a16="http://schemas.microsoft.com/office/drawing/2014/main" id="{B7CEF819-E633-5E25-C8DA-050935233AEF}"/>
+              </a:ext>
+            </a:extLst>
+          </p:cNvPr>
+          <p:cNvSpPr txBox="1"/>
+          <p:nvPr/>
+        </p:nvSpPr>
+        <p:spPr>
+          <a:xfrm>
+            <a:off x="1571821" y="1207593"/>
+            <a:ext cx="551754" cy="369332"/>
+          </a:xfrm>
+          <a:prstGeom prst="rect">
+            <a:avLst/>
+          </a:prstGeom>
+          <a:noFill/>
+        </p:spPr>
+        <p:txBody>
+          <a:bodyPr wrap="none" rtlCol="0">
+            <a:spAutoFit/>
+          </a:bodyPr>
+          <a:lstStyle/>
+          <a:p>
+            <a:pPr/>
+            <a:r>
+              <a:rPr kumimoji="1" lang="en-US" altLang="ja-JP"/>
+              <a:t>0.3</a:t>
+            </a:r>
+            <a:endParaRPr kumimoji="1" lang="ja-JP" altLang="en-US"/>
+          </a:p>
+        </p:txBody>
+      </p:sp>
+      <p:sp>
+        <p:nvSpPr>
+          <p:cNvPr id="43" name="テキスト ボックス 42">
+            <a:extLst>
+              <a:ext uri="{FF2B5EF4-FFF2-40B4-BE49-F238E27FC236}">
+                <a16:creationId xmlns:a16="http://schemas.microsoft.com/office/drawing/2014/main" id="{B16770D4-5B0B-2F3B-6284-EB28CBCCC881}"/>
+              </a:ext>
+            </a:extLst>
+          </p:cNvPr>
+          <p:cNvSpPr txBox="1"/>
+          <p:nvPr/>
+        </p:nvSpPr>
+        <p:spPr>
+          <a:xfrm>
+            <a:off x="2928911" y="1749361"/>
+            <a:ext cx="551754" cy="369332"/>
+          </a:xfrm>
+          <a:prstGeom prst="rect">
+            <a:avLst/>
+          </a:prstGeom>
+          <a:noFill/>
+        </p:spPr>
+        <p:txBody>
+          <a:bodyPr wrap="none" rtlCol="0">
+            <a:spAutoFit/>
+          </a:bodyPr>
+          <a:lstStyle/>
+          <a:p>
+            <a:pPr/>
+            <a:r>
+              <a:rPr kumimoji="1" lang="en-US" altLang="ja-JP"/>
+              <a:t>0.3</a:t>
+            </a:r>
+            <a:endParaRPr kumimoji="1" lang="ja-JP" altLang="en-US"/>
+          </a:p>
+        </p:txBody>
+      </p:sp>
+      <p:sp>
+        <p:nvSpPr>
+          <p:cNvPr id="44" name="テキスト ボックス 43">
+            <a:extLst>
+              <a:ext uri="{FF2B5EF4-FFF2-40B4-BE49-F238E27FC236}">
+                <a16:creationId xmlns:a16="http://schemas.microsoft.com/office/drawing/2014/main" id="{C365D47E-07DD-A59E-02B7-5B0E2EFF45AF}"/>
+              </a:ext>
+            </a:extLst>
+          </p:cNvPr>
+          <p:cNvSpPr txBox="1"/>
+          <p:nvPr/>
+        </p:nvSpPr>
+        <p:spPr>
+          <a:xfrm>
+            <a:off x="3561946" y="1274525"/>
+            <a:ext cx="551754" cy="369332"/>
+          </a:xfrm>
+          <a:prstGeom prst="rect">
+            <a:avLst/>
+          </a:prstGeom>
+          <a:noFill/>
+        </p:spPr>
+        <p:txBody>
+          <a:bodyPr wrap="none" rtlCol="0">
+            <a:spAutoFit/>
+          </a:bodyPr>
+          <a:lstStyle/>
+          <a:p>
+            <a:pPr/>
+            <a:r>
+              <a:rPr kumimoji="1" lang="en-US" altLang="ja-JP"/>
+              <a:t>0.6</a:t>
+            </a:r>
+            <a:endParaRPr kumimoji="1" lang="ja-JP" altLang="en-US"/>
+          </a:p>
+        </p:txBody>
+      </p:sp>
       <p:sp>
         <p:nvSpPr>
           <p:cNvPr id="45" name="テキスト ボックス 44">
